--- a/_images/source_diagrams.pptx
+++ b/_images/source_diagrams.pptx
@@ -5,10 +5,10 @@
     <p:sldMasterId id="2147483661" r:id="rId1"/>
   </p:sldMasterIdLst>
   <p:notesMasterIdLst>
-    <p:notesMasterId r:id="rId8"/>
+    <p:notesMasterId r:id="rId9"/>
   </p:notesMasterIdLst>
   <p:handoutMasterIdLst>
-    <p:handoutMasterId r:id="rId9"/>
+    <p:handoutMasterId r:id="rId10"/>
   </p:handoutMasterIdLst>
   <p:sldIdLst>
     <p:sldId id="1506" r:id="rId2"/>
@@ -17,6 +17,7 @@
     <p:sldId id="1507" r:id="rId5"/>
     <p:sldId id="1511" r:id="rId6"/>
     <p:sldId id="1536" r:id="rId7"/>
+    <p:sldId id="1538" r:id="rId8"/>
   </p:sldIdLst>
   <p:sldSz cx="9144000" cy="5715000" type="screen16x10"/>
   <p:notesSz cx="6858000" cy="9144000"/>
@@ -238,7 +239,7 @@
             <a:fld id="{18967AA6-1341-3C45-8D06-A65AADBACDEC}" type="datetimeFigureOut">
               <a:rPr lang="en-US" smtClean="0"/>
               <a:pPr/>
-              <a:t>9/21/20</a:t>
+              <a:t>10/22/20</a:t>
             </a:fld>
             <a:endParaRPr lang="en-US"/>
           </a:p>
@@ -406,7 +407,7 @@
             <a:fld id="{F7ABB16E-D75F-D447-8E41-C97CF1271134}" type="datetimeFigureOut">
               <a:rPr lang="en-US" smtClean="0"/>
               <a:pPr/>
-              <a:t>9/21/20</a:t>
+              <a:t>10/22/20</a:t>
             </a:fld>
             <a:endParaRPr lang="en-US"/>
           </a:p>
@@ -869,7 +870,7 @@
           <a:p>
             <a:fld id="{7005A5B1-6552-B641-B2F3-DEF9D35BC49E}" type="datetime1">
               <a:rPr lang="en-US" smtClean="0"/>
-              <a:t>9/21/20</a:t>
+              <a:t>10/22/20</a:t>
             </a:fld>
             <a:endParaRPr lang="en-US" dirty="0"/>
           </a:p>
@@ -1066,7 +1067,7 @@
           <a:p>
             <a:fld id="{BCAA18F3-05A7-7547-96CF-A7D760AB21E5}" type="datetime1">
               <a:rPr lang="en-US" smtClean="0"/>
-              <a:t>9/21/20</a:t>
+              <a:t>10/22/20</a:t>
             </a:fld>
             <a:endParaRPr lang="en-US" dirty="0"/>
           </a:p>
@@ -1273,7 +1274,7 @@
           <a:p>
             <a:fld id="{F1C9E796-8630-B44E-B303-3B928CBF3E8B}" type="datetime1">
               <a:rPr lang="en-US" smtClean="0"/>
-              <a:t>9/21/20</a:t>
+              <a:t>10/22/20</a:t>
             </a:fld>
             <a:endParaRPr lang="en-US" dirty="0"/>
           </a:p>
@@ -1471,7 +1472,7 @@
           <a:p>
             <a:fld id="{2C73A9E8-89C9-234D-B044-A977C3E8A01F}" type="datetime1">
               <a:rPr lang="en-US" smtClean="0"/>
-              <a:t>9/21/20</a:t>
+              <a:t>10/22/20</a:t>
             </a:fld>
             <a:endParaRPr lang="en-US" dirty="0"/>
           </a:p>
@@ -1745,7 +1746,7 @@
           <a:p>
             <a:fld id="{9ADAB988-7D1D-5E46-B930-B927B63F5DB0}" type="datetime1">
               <a:rPr lang="en-US" smtClean="0"/>
-              <a:t>9/21/20</a:t>
+              <a:t>10/22/20</a:t>
             </a:fld>
             <a:endParaRPr lang="en-US" dirty="0"/>
           </a:p>
@@ -2059,7 +2060,7 @@
           <a:p>
             <a:fld id="{E85FE5E3-C810-954C-A404-7E0B848F2366}" type="datetime1">
               <a:rPr lang="en-US" smtClean="0"/>
-              <a:t>9/21/20</a:t>
+              <a:t>10/22/20</a:t>
             </a:fld>
             <a:endParaRPr lang="en-US" dirty="0"/>
           </a:p>
@@ -2512,7 +2513,7 @@
           <a:p>
             <a:fld id="{2DB37D1F-5141-914D-9168-7BACC3016431}" type="datetime1">
               <a:rPr lang="en-US" smtClean="0"/>
-              <a:t>9/21/20</a:t>
+              <a:t>10/22/20</a:t>
             </a:fld>
             <a:endParaRPr lang="en-US" dirty="0"/>
           </a:p>
@@ -2658,7 +2659,7 @@
           <a:p>
             <a:fld id="{5C2341AA-E87D-664A-9CB9-CFE5C02D4760}" type="datetime1">
               <a:rPr lang="en-US" smtClean="0"/>
-              <a:t>9/21/20</a:t>
+              <a:t>10/22/20</a:t>
             </a:fld>
             <a:endParaRPr lang="en-US" dirty="0"/>
           </a:p>
@@ -2782,7 +2783,7 @@
           <a:p>
             <a:fld id="{81AD9DAC-D136-AC46-9E23-4E0C18CA7330}" type="datetime1">
               <a:rPr lang="en-US" smtClean="0"/>
-              <a:t>9/21/20</a:t>
+              <a:t>10/22/20</a:t>
             </a:fld>
             <a:endParaRPr lang="en-US" dirty="0"/>
           </a:p>
@@ -3086,7 +3087,7 @@
           <a:p>
             <a:fld id="{3AC61887-0F80-964F-B223-6B0320C6B323}" type="datetime1">
               <a:rPr lang="en-US" smtClean="0"/>
-              <a:t>9/21/20</a:t>
+              <a:t>10/22/20</a:t>
             </a:fld>
             <a:endParaRPr lang="en-US" dirty="0"/>
           </a:p>
@@ -3370,7 +3371,7 @@
           <a:p>
             <a:fld id="{50910A3E-93F4-3944-92C0-FFED5DA85674}" type="datetime1">
               <a:rPr lang="en-US" smtClean="0"/>
-              <a:t>9/21/20</a:t>
+              <a:t>10/22/20</a:t>
             </a:fld>
             <a:endParaRPr lang="en-US" dirty="0"/>
           </a:p>
@@ -4889,7 +4890,7 @@
             <a:pPr algn="ctr"/>
             <a:r>
               <a:rPr lang="en-US" sz="1400" dirty="0"/>
-              <a:t>Implementation Plan</a:t>
+              <a:t>Guides</a:t>
             </a:r>
           </a:p>
         </p:txBody>
@@ -8692,6 +8693,36 @@
     <p:extLst>
       <p:ext uri="{BB962C8B-B14F-4D97-AF65-F5344CB8AC3E}">
         <p14:creationId xmlns:p14="http://schemas.microsoft.com/office/powerpoint/2010/main" val="666247284"/>
+      </p:ext>
+    </p:extLst>
+  </p:cSld>
+  <p:clrMapOvr>
+    <a:masterClrMapping/>
+  </p:clrMapOvr>
+</p:sld>
+</file>
+
+<file path=ppt/slides/slide7.xml><?xml version="1.0" encoding="utf-8"?>
+<p:sld xmlns:a="http://schemas.openxmlformats.org/drawingml/2006/main" xmlns:r="http://schemas.openxmlformats.org/officeDocument/2006/relationships" xmlns:p="http://schemas.openxmlformats.org/presentationml/2006/main">
+  <p:cSld>
+    <p:spTree>
+      <p:nvGrpSpPr>
+        <p:cNvPr id="1" name=""/>
+        <p:cNvGrpSpPr/>
+        <p:nvPr/>
+      </p:nvGrpSpPr>
+      <p:grpSpPr>
+        <a:xfrm>
+          <a:off x="0" y="0"/>
+          <a:ext cx="0" cy="0"/>
+          <a:chOff x="0" y="0"/>
+          <a:chExt cx="0" cy="0"/>
+        </a:xfrm>
+      </p:grpSpPr>
+    </p:spTree>
+    <p:extLst>
+      <p:ext uri="{BB962C8B-B14F-4D97-AF65-F5344CB8AC3E}">
+        <p14:creationId xmlns:p14="http://schemas.microsoft.com/office/powerpoint/2010/main" val="709660503"/>
       </p:ext>
     </p:extLst>
   </p:cSld>

--- a/_images/source_diagrams.pptx
+++ b/_images/source_diagrams.pptx
@@ -5,19 +5,20 @@
     <p:sldMasterId id="2147483661" r:id="rId1"/>
   </p:sldMasterIdLst>
   <p:notesMasterIdLst>
-    <p:notesMasterId r:id="rId9"/>
+    <p:notesMasterId r:id="rId10"/>
   </p:notesMasterIdLst>
   <p:handoutMasterIdLst>
-    <p:handoutMasterId r:id="rId10"/>
+    <p:handoutMasterId r:id="rId11"/>
   </p:handoutMasterIdLst>
   <p:sldIdLst>
-    <p:sldId id="1506" r:id="rId2"/>
-    <p:sldId id="1537" r:id="rId3"/>
-    <p:sldId id="1532" r:id="rId4"/>
-    <p:sldId id="1507" r:id="rId5"/>
-    <p:sldId id="1511" r:id="rId6"/>
-    <p:sldId id="1536" r:id="rId7"/>
-    <p:sldId id="1538" r:id="rId8"/>
+    <p:sldId id="1539" r:id="rId2"/>
+    <p:sldId id="1507" r:id="rId3"/>
+    <p:sldId id="1511" r:id="rId4"/>
+    <p:sldId id="1506" r:id="rId5"/>
+    <p:sldId id="1537" r:id="rId6"/>
+    <p:sldId id="1532" r:id="rId7"/>
+    <p:sldId id="1536" r:id="rId8"/>
+    <p:sldId id="1538" r:id="rId9"/>
   </p:sldIdLst>
   <p:sldSz cx="9144000" cy="5715000" type="screen16x10"/>
   <p:notesSz cx="6858000" cy="9144000"/>
@@ -239,7 +240,7 @@
             <a:fld id="{18967AA6-1341-3C45-8D06-A65AADBACDEC}" type="datetimeFigureOut">
               <a:rPr lang="en-US" smtClean="0"/>
               <a:pPr/>
-              <a:t>10/22/20</a:t>
+              <a:t>11/18/20</a:t>
             </a:fld>
             <a:endParaRPr lang="en-US"/>
           </a:p>
@@ -407,7 +408,7 @@
             <a:fld id="{F7ABB16E-D75F-D447-8E41-C97CF1271134}" type="datetimeFigureOut">
               <a:rPr lang="en-US" smtClean="0"/>
               <a:pPr/>
-              <a:t>10/22/20</a:t>
+              <a:t>11/18/20</a:t>
             </a:fld>
             <a:endParaRPr lang="en-US"/>
           </a:p>
@@ -870,7 +871,7 @@
           <a:p>
             <a:fld id="{7005A5B1-6552-B641-B2F3-DEF9D35BC49E}" type="datetime1">
               <a:rPr lang="en-US" smtClean="0"/>
-              <a:t>10/22/20</a:t>
+              <a:t>11/18/20</a:t>
             </a:fld>
             <a:endParaRPr lang="en-US" dirty="0"/>
           </a:p>
@@ -1067,7 +1068,7 @@
           <a:p>
             <a:fld id="{BCAA18F3-05A7-7547-96CF-A7D760AB21E5}" type="datetime1">
               <a:rPr lang="en-US" smtClean="0"/>
-              <a:t>10/22/20</a:t>
+              <a:t>11/18/20</a:t>
             </a:fld>
             <a:endParaRPr lang="en-US" dirty="0"/>
           </a:p>
@@ -1274,7 +1275,7 @@
           <a:p>
             <a:fld id="{F1C9E796-8630-B44E-B303-3B928CBF3E8B}" type="datetime1">
               <a:rPr lang="en-US" smtClean="0"/>
-              <a:t>10/22/20</a:t>
+              <a:t>11/18/20</a:t>
             </a:fld>
             <a:endParaRPr lang="en-US" dirty="0"/>
           </a:p>
@@ -1472,7 +1473,7 @@
           <a:p>
             <a:fld id="{2C73A9E8-89C9-234D-B044-A977C3E8A01F}" type="datetime1">
               <a:rPr lang="en-US" smtClean="0"/>
-              <a:t>10/22/20</a:t>
+              <a:t>11/18/20</a:t>
             </a:fld>
             <a:endParaRPr lang="en-US" dirty="0"/>
           </a:p>
@@ -1746,7 +1747,7 @@
           <a:p>
             <a:fld id="{9ADAB988-7D1D-5E46-B930-B927B63F5DB0}" type="datetime1">
               <a:rPr lang="en-US" smtClean="0"/>
-              <a:t>10/22/20</a:t>
+              <a:t>11/18/20</a:t>
             </a:fld>
             <a:endParaRPr lang="en-US" dirty="0"/>
           </a:p>
@@ -2060,7 +2061,7 @@
           <a:p>
             <a:fld id="{E85FE5E3-C810-954C-A404-7E0B848F2366}" type="datetime1">
               <a:rPr lang="en-US" smtClean="0"/>
-              <a:t>10/22/20</a:t>
+              <a:t>11/18/20</a:t>
             </a:fld>
             <a:endParaRPr lang="en-US" dirty="0"/>
           </a:p>
@@ -2513,7 +2514,7 @@
           <a:p>
             <a:fld id="{2DB37D1F-5141-914D-9168-7BACC3016431}" type="datetime1">
               <a:rPr lang="en-US" smtClean="0"/>
-              <a:t>10/22/20</a:t>
+              <a:t>11/18/20</a:t>
             </a:fld>
             <a:endParaRPr lang="en-US" dirty="0"/>
           </a:p>
@@ -2659,7 +2660,7 @@
           <a:p>
             <a:fld id="{5C2341AA-E87D-664A-9CB9-CFE5C02D4760}" type="datetime1">
               <a:rPr lang="en-US" smtClean="0"/>
-              <a:t>10/22/20</a:t>
+              <a:t>11/18/20</a:t>
             </a:fld>
             <a:endParaRPr lang="en-US" dirty="0"/>
           </a:p>
@@ -2783,7 +2784,7 @@
           <a:p>
             <a:fld id="{81AD9DAC-D136-AC46-9E23-4E0C18CA7330}" type="datetime1">
               <a:rPr lang="en-US" smtClean="0"/>
-              <a:t>10/22/20</a:t>
+              <a:t>11/18/20</a:t>
             </a:fld>
             <a:endParaRPr lang="en-US" dirty="0"/>
           </a:p>
@@ -3087,7 +3088,7 @@
           <a:p>
             <a:fld id="{3AC61887-0F80-964F-B223-6B0320C6B323}" type="datetime1">
               <a:rPr lang="en-US" smtClean="0"/>
-              <a:t>10/22/20</a:t>
+              <a:t>11/18/20</a:t>
             </a:fld>
             <a:endParaRPr lang="en-US" dirty="0"/>
           </a:p>
@@ -3371,7 +3372,7 @@
           <a:p>
             <a:fld id="{50910A3E-93F4-3944-92C0-FFED5DA85674}" type="datetime1">
               <a:rPr lang="en-US" smtClean="0"/>
-              <a:t>10/22/20</a:t>
+              <a:t>11/18/20</a:t>
             </a:fld>
             <a:endParaRPr lang="en-US" dirty="0"/>
           </a:p>
@@ -3913,7 +3914,7 @@
         </p:nvSpPr>
         <p:spPr>
           <a:xfrm>
-            <a:off x="3803666" y="336549"/>
+            <a:off x="3777945" y="385880"/>
             <a:ext cx="1219200" cy="1600200"/>
           </a:xfrm>
           <a:prstGeom prst="foldedCorner">
@@ -3973,8 +3974,8 @@
         </p:nvSpPr>
         <p:spPr>
           <a:xfrm>
-            <a:off x="4663781" y="2628900"/>
-            <a:ext cx="1219200" cy="1600200"/>
+            <a:off x="4048665" y="2713263"/>
+            <a:ext cx="1405078" cy="1600200"/>
           </a:xfrm>
           <a:prstGeom prst="foldedCorner">
             <a:avLst/>
@@ -4003,8 +4004,8 @@
           <a:p>
             <a:pPr algn="ctr"/>
             <a:r>
-              <a:rPr lang="en-US" sz="1600" dirty="0"/>
-              <a:t>Recommend-ation</a:t>
+              <a:rPr lang="en-US" sz="1400" dirty="0"/>
+              <a:t>Recommendation</a:t>
             </a:r>
           </a:p>
         </p:txBody>
@@ -4023,8 +4024,8 @@
         </p:nvSpPr>
         <p:spPr>
           <a:xfrm>
-            <a:off x="6066541" y="2628900"/>
-            <a:ext cx="1219200" cy="1600200"/>
+            <a:off x="5562600" y="2705100"/>
+            <a:ext cx="1398505" cy="1600200"/>
           </a:xfrm>
           <a:prstGeom prst="foldedCorner">
             <a:avLst/>
@@ -4053,8 +4054,8 @@
           <a:p>
             <a:pPr algn="ctr"/>
             <a:r>
-              <a:rPr lang="en-US" sz="1600" dirty="0"/>
-              <a:t>Implement-ation Plan</a:t>
+              <a:rPr lang="en-US" sz="1400" dirty="0"/>
+              <a:t>Guides</a:t>
             </a:r>
           </a:p>
         </p:txBody>
@@ -4073,8 +4074,8 @@
         </p:nvSpPr>
         <p:spPr>
           <a:xfrm>
-            <a:off x="7469299" y="2637064"/>
-            <a:ext cx="1219200" cy="1600200"/>
+            <a:off x="7054251" y="2713263"/>
+            <a:ext cx="1412099" cy="1600200"/>
           </a:xfrm>
           <a:prstGeom prst="foldedCorner">
             <a:avLst/>
@@ -4101,7 +4102,7 @@
           <a:p>
             <a:pPr algn="ctr"/>
             <a:r>
-              <a:rPr lang="en-US" sz="1600" dirty="0">
+              <a:rPr lang="en-US" sz="1400" dirty="0">
                 <a:solidFill>
                   <a:schemeClr val="tx1"/>
                 </a:solidFill>
@@ -4130,8 +4131,8 @@
         </p:nvCxnSpPr>
         <p:spPr>
           <a:xfrm rot="16200000" flipH="1">
-            <a:off x="4497248" y="1852766"/>
-            <a:ext cx="692151" cy="860115"/>
+            <a:off x="4205783" y="2167841"/>
+            <a:ext cx="727183" cy="363659"/>
           </a:xfrm>
           <a:prstGeom prst="bentConnector3">
             <a:avLst/>
@@ -4173,8 +4174,8 @@
         </p:nvCxnSpPr>
         <p:spPr>
           <a:xfrm rot="5400000">
-            <a:off x="2393109" y="608742"/>
-            <a:ext cx="692151" cy="3348165"/>
+            <a:off x="2682012" y="1007729"/>
+            <a:ext cx="727183" cy="2683885"/>
           </a:xfrm>
           <a:prstGeom prst="bentConnector3">
             <a:avLst>
@@ -4218,8 +4219,8 @@
         </p:nvCxnSpPr>
         <p:spPr>
           <a:xfrm rot="16200000" flipH="1">
-            <a:off x="5895925" y="454089"/>
-            <a:ext cx="700315" cy="3665633"/>
+            <a:off x="5710332" y="663293"/>
+            <a:ext cx="727183" cy="3372756"/>
           </a:xfrm>
           <a:prstGeom prst="bentConnector3">
             <a:avLst>
@@ -4259,8 +4260,8 @@
         </p:nvSpPr>
         <p:spPr>
           <a:xfrm>
-            <a:off x="455501" y="2628900"/>
-            <a:ext cx="1219200" cy="1600200"/>
+            <a:off x="994787" y="2713263"/>
+            <a:ext cx="1417746" cy="1600200"/>
           </a:xfrm>
           <a:prstGeom prst="foldedCorner">
             <a:avLst/>
@@ -4289,7 +4290,7 @@
           <a:p>
             <a:pPr algn="ctr"/>
             <a:r>
-              <a:rPr lang="en-US" sz="1600" dirty="0"/>
+              <a:rPr lang="en-US" sz="1400" dirty="0"/>
               <a:t>Specification</a:t>
             </a:r>
           </a:p>
@@ -4313,8 +4314,8 @@
         </p:nvCxnSpPr>
         <p:spPr>
           <a:xfrm rot="16200000" flipH="1">
-            <a:off x="5198628" y="1151386"/>
-            <a:ext cx="692151" cy="2262875"/>
+            <a:off x="4965189" y="1408436"/>
+            <a:ext cx="719020" cy="1874308"/>
           </a:xfrm>
           <a:prstGeom prst="bentConnector3">
             <a:avLst/>
@@ -4340,10 +4341,10 @@
       </p:cxnSp>
       <p:sp>
         <p:nvSpPr>
-          <p:cNvPr id="41" name="Folded Corner 40">
-            <a:extLst>
-              <a:ext uri="{FF2B5EF4-FFF2-40B4-BE49-F238E27FC236}">
-                <a16:creationId xmlns:a16="http://schemas.microsoft.com/office/drawing/2014/main" id="{C1B9AD18-DDC8-424B-9046-BE29E8E5AE93}"/>
+          <p:cNvPr id="34" name="Folded Corner 33">
+            <a:extLst>
+              <a:ext uri="{FF2B5EF4-FFF2-40B4-BE49-F238E27FC236}">
+                <a16:creationId xmlns:a16="http://schemas.microsoft.com/office/drawing/2014/main" id="{E4851292-AE1C-C043-B03B-AC3D9AD92A29}"/>
               </a:ext>
             </a:extLst>
           </p:cNvPr>
@@ -4352,14 +4353,14 @@
         </p:nvSpPr>
         <p:spPr>
           <a:xfrm>
-            <a:off x="1858261" y="2622549"/>
-            <a:ext cx="1219200" cy="1600200"/>
+            <a:off x="2534730" y="2713263"/>
+            <a:ext cx="1405078" cy="1600200"/>
           </a:xfrm>
           <a:prstGeom prst="foldedCorner">
             <a:avLst/>
           </a:prstGeom>
           <a:solidFill>
-            <a:srgbClr val="0070C0"/>
+            <a:schemeClr val="accent2"/>
           </a:solidFill>
         </p:spPr>
         <p:style>
@@ -4382,35 +4383,35 @@
           <a:p>
             <a:pPr algn="ctr"/>
             <a:r>
-              <a:rPr lang="en-US" sz="1600" dirty="0"/>
-              <a:t>Template</a:t>
+              <a:rPr lang="en-US" sz="1400" dirty="0"/>
+              <a:t>Glossary</a:t>
             </a:r>
           </a:p>
         </p:txBody>
       </p:sp>
       <p:cxnSp>
         <p:nvCxnSpPr>
-          <p:cNvPr id="42" name="Elbow Connector 41">
-            <a:extLst>
-              <a:ext uri="{FF2B5EF4-FFF2-40B4-BE49-F238E27FC236}">
-                <a16:creationId xmlns:a16="http://schemas.microsoft.com/office/drawing/2014/main" id="{15482865-A898-444A-8347-F2D6A2060B12}"/>
+          <p:cNvPr id="58" name="Elbow Connector 57">
+            <a:extLst>
+              <a:ext uri="{FF2B5EF4-FFF2-40B4-BE49-F238E27FC236}">
+                <a16:creationId xmlns:a16="http://schemas.microsoft.com/office/drawing/2014/main" id="{B36D6D78-5FB2-B247-B9AD-F204033B66AE}"/>
               </a:ext>
             </a:extLst>
           </p:cNvPr>
           <p:cNvCxnSpPr>
             <a:cxnSpLocks/>
-            <a:stCxn id="3" idx="2"/>
-            <a:endCxn id="41" idx="0"/>
           </p:cNvCxnSpPr>
           <p:nvPr/>
         </p:nvCxnSpPr>
         <p:spPr>
-          <a:xfrm rot="5400000">
-            <a:off x="3097664" y="1306947"/>
-            <a:ext cx="685800" cy="1945405"/>
+          <a:xfrm rot="10800000" flipV="1">
+            <a:off x="3026056" y="2345591"/>
+            <a:ext cx="446823" cy="367671"/>
           </a:xfrm>
           <a:prstGeom prst="bentConnector3">
-            <a:avLst/>
+            <a:avLst>
+              <a:gd name="adj1" fmla="val 50000"/>
+            </a:avLst>
           </a:prstGeom>
           <a:ln>
             <a:tailEnd type="none"/>
@@ -4433,10 +4434,10 @@
       </p:cxnSp>
       <p:sp>
         <p:nvSpPr>
-          <p:cNvPr id="34" name="Folded Corner 33">
-            <a:extLst>
-              <a:ext uri="{FF2B5EF4-FFF2-40B4-BE49-F238E27FC236}">
-                <a16:creationId xmlns:a16="http://schemas.microsoft.com/office/drawing/2014/main" id="{E4851292-AE1C-C043-B03B-AC3D9AD92A29}"/>
+          <p:cNvPr id="61" name="Rounded Rectangle 60">
+            <a:extLst>
+              <a:ext uri="{FF2B5EF4-FFF2-40B4-BE49-F238E27FC236}">
+                <a16:creationId xmlns:a16="http://schemas.microsoft.com/office/drawing/2014/main" id="{305BC4E4-C92D-674A-83B3-2E87218E2D56}"/>
               </a:ext>
             </a:extLst>
           </p:cNvPr>
@@ -4445,102 +4446,7 @@
         </p:nvSpPr>
         <p:spPr>
           <a:xfrm>
-            <a:off x="3261021" y="2622549"/>
-            <a:ext cx="1219200" cy="1600200"/>
-          </a:xfrm>
-          <a:prstGeom prst="foldedCorner">
-            <a:avLst/>
-          </a:prstGeom>
-          <a:solidFill>
-            <a:schemeClr val="accent2"/>
-          </a:solidFill>
-        </p:spPr>
-        <p:style>
-          <a:lnRef idx="1">
-            <a:schemeClr val="accent1"/>
-          </a:lnRef>
-          <a:fillRef idx="3">
-            <a:schemeClr val="accent1"/>
-          </a:fillRef>
-          <a:effectRef idx="2">
-            <a:schemeClr val="accent1"/>
-          </a:effectRef>
-          <a:fontRef idx="minor">
-            <a:schemeClr val="lt1"/>
-          </a:fontRef>
-        </p:style>
-        <p:txBody>
-          <a:bodyPr lIns="0" rIns="0" rtlCol="0" anchor="ctr"/>
-          <a:lstStyle/>
-          <a:p>
-            <a:pPr algn="ctr"/>
-            <a:r>
-              <a:rPr lang="en-US" sz="1600" dirty="0"/>
-              <a:t>Definition</a:t>
-            </a:r>
-          </a:p>
-        </p:txBody>
-      </p:sp>
-      <p:cxnSp>
-        <p:nvCxnSpPr>
-          <p:cNvPr id="58" name="Elbow Connector 57">
-            <a:extLst>
-              <a:ext uri="{FF2B5EF4-FFF2-40B4-BE49-F238E27FC236}">
-                <a16:creationId xmlns:a16="http://schemas.microsoft.com/office/drawing/2014/main" id="{B36D6D78-5FB2-B247-B9AD-F204033B66AE}"/>
-              </a:ext>
-            </a:extLst>
-          </p:cNvPr>
-          <p:cNvCxnSpPr>
-            <a:cxnSpLocks/>
-            <a:stCxn id="3" idx="2"/>
-            <a:endCxn id="34" idx="0"/>
-          </p:cNvCxnSpPr>
-          <p:nvPr/>
-        </p:nvCxnSpPr>
-        <p:spPr>
-          <a:xfrm rot="5400000">
-            <a:off x="3799044" y="2008327"/>
-            <a:ext cx="685800" cy="542645"/>
-          </a:xfrm>
-          <a:prstGeom prst="bentConnector3">
-            <a:avLst>
-              <a:gd name="adj1" fmla="val 50000"/>
-            </a:avLst>
-          </a:prstGeom>
-          <a:ln>
-            <a:tailEnd type="none"/>
-          </a:ln>
-        </p:spPr>
-        <p:style>
-          <a:lnRef idx="1">
-            <a:schemeClr val="dk1"/>
-          </a:lnRef>
-          <a:fillRef idx="0">
-            <a:schemeClr val="dk1"/>
-          </a:fillRef>
-          <a:effectRef idx="0">
-            <a:schemeClr val="dk1"/>
-          </a:effectRef>
-          <a:fontRef idx="minor">
-            <a:schemeClr val="tx1"/>
-          </a:fontRef>
-        </p:style>
-      </p:cxnSp>
-      <p:sp>
-        <p:nvSpPr>
-          <p:cNvPr id="61" name="Rounded Rectangle 60">
-            <a:extLst>
-              <a:ext uri="{FF2B5EF4-FFF2-40B4-BE49-F238E27FC236}">
-                <a16:creationId xmlns:a16="http://schemas.microsoft.com/office/drawing/2014/main" id="{305BC4E4-C92D-674A-83B3-2E87218E2D56}"/>
-              </a:ext>
-            </a:extLst>
-          </p:cNvPr>
-          <p:cNvSpPr/>
-          <p:nvPr/>
-        </p:nvSpPr>
-        <p:spPr>
-          <a:xfrm>
-            <a:off x="455501" y="691284"/>
+            <a:off x="1268957" y="741701"/>
             <a:ext cx="1219200" cy="996952"/>
           </a:xfrm>
           <a:prstGeom prst="roundRect">
@@ -4602,7 +4508,7 @@
         </p:nvSpPr>
         <p:spPr>
           <a:xfrm>
-            <a:off x="532550" y="1051687"/>
+            <a:off x="1346006" y="1102104"/>
             <a:ext cx="990600" cy="600164"/>
           </a:xfrm>
           <a:prstGeom prst="rect">
@@ -4640,7 +4546,7 @@
         </p:nvCxnSpPr>
         <p:spPr>
           <a:xfrm flipV="1">
-            <a:off x="762000" y="1688236"/>
+            <a:off x="1575456" y="1738653"/>
             <a:ext cx="6334" cy="940665"/>
           </a:xfrm>
           <a:prstGeom prst="straightConnector1">
@@ -4680,7 +4586,7 @@
         </p:nvSpPr>
         <p:spPr>
           <a:xfrm>
-            <a:off x="768334" y="1705857"/>
+            <a:off x="1581790" y="1756274"/>
             <a:ext cx="744252" cy="246221"/>
           </a:xfrm>
           <a:prstGeom prst="rect">
@@ -4708,7 +4614,7 @@
     </p:spTree>
     <p:extLst>
       <p:ext uri="{BB962C8B-B14F-4D97-AF65-F5344CB8AC3E}">
-        <p14:creationId xmlns:p14="http://schemas.microsoft.com/office/powerpoint/2010/main" val="1357921720"/>
+        <p14:creationId xmlns:p14="http://schemas.microsoft.com/office/powerpoint/2010/main" val="3504244955"/>
       </p:ext>
     </p:extLst>
   </p:cSld>
@@ -4737,6 +4643,839 @@
       </p:grpSpPr>
       <p:sp>
         <p:nvSpPr>
+          <p:cNvPr id="23" name="Folded Corner 22">
+            <a:extLst>
+              <a:ext uri="{FF2B5EF4-FFF2-40B4-BE49-F238E27FC236}">
+                <a16:creationId xmlns:a16="http://schemas.microsoft.com/office/drawing/2014/main" id="{6BBEA8F1-3A65-0546-A052-26121F17F905}"/>
+              </a:ext>
+            </a:extLst>
+          </p:cNvPr>
+          <p:cNvSpPr/>
+          <p:nvPr/>
+        </p:nvSpPr>
+        <p:spPr>
+          <a:xfrm>
+            <a:off x="990600" y="1890180"/>
+            <a:ext cx="1447800" cy="1814700"/>
+          </a:xfrm>
+          <a:prstGeom prst="foldedCorner">
+            <a:avLst/>
+          </a:prstGeom>
+          <a:solidFill>
+            <a:schemeClr val="accent6"/>
+          </a:solidFill>
+        </p:spPr>
+        <p:style>
+          <a:lnRef idx="1">
+            <a:schemeClr val="accent1"/>
+          </a:lnRef>
+          <a:fillRef idx="3">
+            <a:schemeClr val="accent1"/>
+          </a:fillRef>
+          <a:effectRef idx="2">
+            <a:schemeClr val="accent1"/>
+          </a:effectRef>
+          <a:fontRef idx="minor">
+            <a:schemeClr val="lt1"/>
+          </a:fontRef>
+        </p:style>
+        <p:txBody>
+          <a:bodyPr lIns="0" rIns="0" rtlCol="0" anchor="ctr"/>
+          <a:lstStyle/>
+          <a:p>
+            <a:pPr algn="ctr"/>
+            <a:r>
+              <a:rPr lang="en-US" dirty="0"/>
+              <a:t>TSS</a:t>
+            </a:r>
+            <a:br>
+              <a:rPr lang="en-US" dirty="0"/>
+            </a:br>
+            <a:r>
+              <a:rPr lang="en-US" dirty="0"/>
+              <a:t>(ToIP Standard</a:t>
+            </a:r>
+            <a:br>
+              <a:rPr lang="en-US" dirty="0"/>
+            </a:br>
+            <a:r>
+              <a:rPr lang="en-US" dirty="0"/>
+              <a:t>Specification)</a:t>
+            </a:r>
+          </a:p>
+        </p:txBody>
+      </p:sp>
+      <p:pic>
+        <p:nvPicPr>
+          <p:cNvPr id="2" name="Picture 1">
+            <a:extLst>
+              <a:ext uri="{FF2B5EF4-FFF2-40B4-BE49-F238E27FC236}">
+                <a16:creationId xmlns:a16="http://schemas.microsoft.com/office/drawing/2014/main" id="{58E247C5-5CAB-8446-BA7D-437728A2BDE1}"/>
+              </a:ext>
+            </a:extLst>
+          </p:cNvPr>
+          <p:cNvPicPr>
+            <a:picLocks noChangeAspect="1"/>
+          </p:cNvPicPr>
+          <p:nvPr/>
+        </p:nvPicPr>
+        <p:blipFill>
+          <a:blip r:embed="rId2"/>
+          <a:stretch>
+            <a:fillRect/>
+          </a:stretch>
+        </p:blipFill>
+        <p:spPr>
+          <a:xfrm>
+            <a:off x="5068547" y="414647"/>
+            <a:ext cx="1263650" cy="1156105"/>
+          </a:xfrm>
+          <a:prstGeom prst="rect">
+            <a:avLst/>
+          </a:prstGeom>
+        </p:spPr>
+      </p:pic>
+      <p:pic>
+        <p:nvPicPr>
+          <p:cNvPr id="4" name="Picture 3">
+            <a:extLst>
+              <a:ext uri="{FF2B5EF4-FFF2-40B4-BE49-F238E27FC236}">
+                <a16:creationId xmlns:a16="http://schemas.microsoft.com/office/drawing/2014/main" id="{46F923C6-B575-1949-8909-DD7AC408D5AF}"/>
+              </a:ext>
+            </a:extLst>
+          </p:cNvPr>
+          <p:cNvPicPr>
+            <a:picLocks noChangeAspect="1"/>
+          </p:cNvPicPr>
+          <p:nvPr/>
+        </p:nvPicPr>
+        <p:blipFill>
+          <a:blip r:embed="rId3"/>
+          <a:stretch>
+            <a:fillRect/>
+          </a:stretch>
+        </p:blipFill>
+        <p:spPr>
+          <a:xfrm>
+            <a:off x="5068547" y="1809752"/>
+            <a:ext cx="1661206" cy="876300"/>
+          </a:xfrm>
+          <a:prstGeom prst="rect">
+            <a:avLst/>
+          </a:prstGeom>
+        </p:spPr>
+      </p:pic>
+      <p:pic>
+        <p:nvPicPr>
+          <p:cNvPr id="9" name="Picture 8">
+            <a:extLst>
+              <a:ext uri="{FF2B5EF4-FFF2-40B4-BE49-F238E27FC236}">
+                <a16:creationId xmlns:a16="http://schemas.microsoft.com/office/drawing/2014/main" id="{5E9C18F5-7607-2441-964B-E48900EBF6A5}"/>
+              </a:ext>
+            </a:extLst>
+          </p:cNvPr>
+          <p:cNvPicPr>
+            <a:picLocks noChangeAspect="1"/>
+          </p:cNvPicPr>
+          <p:nvPr/>
+        </p:nvPicPr>
+        <p:blipFill>
+          <a:blip r:embed="rId4"/>
+          <a:stretch>
+            <a:fillRect/>
+          </a:stretch>
+        </p:blipFill>
+        <p:spPr>
+          <a:xfrm>
+            <a:off x="5068547" y="3188775"/>
+            <a:ext cx="1606550" cy="766201"/>
+          </a:xfrm>
+          <a:prstGeom prst="rect">
+            <a:avLst/>
+          </a:prstGeom>
+        </p:spPr>
+      </p:pic>
+      <p:pic>
+        <p:nvPicPr>
+          <p:cNvPr id="12" name="Picture 11">
+            <a:extLst>
+              <a:ext uri="{FF2B5EF4-FFF2-40B4-BE49-F238E27FC236}">
+                <a16:creationId xmlns:a16="http://schemas.microsoft.com/office/drawing/2014/main" id="{744EB36B-EC90-3549-9637-557D830103C1}"/>
+              </a:ext>
+            </a:extLst>
+          </p:cNvPr>
+          <p:cNvPicPr>
+            <a:picLocks noChangeAspect="1"/>
+          </p:cNvPicPr>
+          <p:nvPr/>
+        </p:nvPicPr>
+        <p:blipFill>
+          <a:blip r:embed="rId5"/>
+          <a:stretch>
+            <a:fillRect/>
+          </a:stretch>
+        </p:blipFill>
+        <p:spPr>
+          <a:xfrm>
+            <a:off x="5068547" y="4457700"/>
+            <a:ext cx="2170453" cy="474891"/>
+          </a:xfrm>
+          <a:prstGeom prst="rect">
+            <a:avLst/>
+          </a:prstGeom>
+        </p:spPr>
+      </p:pic>
+      <p:cxnSp>
+        <p:nvCxnSpPr>
+          <p:cNvPr id="16" name="Elbow Connector 15">
+            <a:extLst>
+              <a:ext uri="{FF2B5EF4-FFF2-40B4-BE49-F238E27FC236}">
+                <a16:creationId xmlns:a16="http://schemas.microsoft.com/office/drawing/2014/main" id="{12D3B5E7-B733-8945-9A92-4D15DB1672B5}"/>
+              </a:ext>
+            </a:extLst>
+          </p:cNvPr>
+          <p:cNvCxnSpPr>
+            <a:cxnSpLocks/>
+          </p:cNvCxnSpPr>
+          <p:nvPr/>
+        </p:nvCxnSpPr>
+        <p:spPr>
+          <a:xfrm flipV="1">
+            <a:off x="2438400" y="992700"/>
+            <a:ext cx="2057400" cy="1792890"/>
+          </a:xfrm>
+          <a:prstGeom prst="bentConnector3">
+            <a:avLst/>
+          </a:prstGeom>
+          <a:ln>
+            <a:tailEnd type="arrow" w="lg" len="lg"/>
+          </a:ln>
+        </p:spPr>
+        <p:style>
+          <a:lnRef idx="2">
+            <a:schemeClr val="accent1"/>
+          </a:lnRef>
+          <a:fillRef idx="0">
+            <a:schemeClr val="accent1"/>
+          </a:fillRef>
+          <a:effectRef idx="1">
+            <a:schemeClr val="accent1"/>
+          </a:effectRef>
+          <a:fontRef idx="minor">
+            <a:schemeClr val="tx1"/>
+          </a:fontRef>
+        </p:style>
+      </p:cxnSp>
+      <p:cxnSp>
+        <p:nvCxnSpPr>
+          <p:cNvPr id="30" name="Elbow Connector 29">
+            <a:extLst>
+              <a:ext uri="{FF2B5EF4-FFF2-40B4-BE49-F238E27FC236}">
+                <a16:creationId xmlns:a16="http://schemas.microsoft.com/office/drawing/2014/main" id="{DBC80C2A-7D51-F14E-BC22-808CE7D031F3}"/>
+              </a:ext>
+            </a:extLst>
+          </p:cNvPr>
+          <p:cNvCxnSpPr>
+            <a:cxnSpLocks/>
+          </p:cNvCxnSpPr>
+          <p:nvPr/>
+        </p:nvCxnSpPr>
+        <p:spPr>
+          <a:xfrm>
+            <a:off x="2438400" y="2788350"/>
+            <a:ext cx="2170612" cy="808213"/>
+          </a:xfrm>
+          <a:prstGeom prst="bentConnector3">
+            <a:avLst>
+              <a:gd name="adj1" fmla="val 47192"/>
+            </a:avLst>
+          </a:prstGeom>
+          <a:ln>
+            <a:tailEnd type="arrow" w="lg" len="lg"/>
+          </a:ln>
+        </p:spPr>
+        <p:style>
+          <a:lnRef idx="2">
+            <a:schemeClr val="accent1"/>
+          </a:lnRef>
+          <a:fillRef idx="0">
+            <a:schemeClr val="accent1"/>
+          </a:fillRef>
+          <a:effectRef idx="1">
+            <a:schemeClr val="accent1"/>
+          </a:effectRef>
+          <a:fontRef idx="minor">
+            <a:schemeClr val="tx1"/>
+          </a:fontRef>
+        </p:style>
+      </p:cxnSp>
+      <p:cxnSp>
+        <p:nvCxnSpPr>
+          <p:cNvPr id="33" name="Elbow Connector 32">
+            <a:extLst>
+              <a:ext uri="{FF2B5EF4-FFF2-40B4-BE49-F238E27FC236}">
+                <a16:creationId xmlns:a16="http://schemas.microsoft.com/office/drawing/2014/main" id="{4400C599-923E-B84A-ADAF-392D2F2F040B}"/>
+              </a:ext>
+            </a:extLst>
+          </p:cNvPr>
+          <p:cNvCxnSpPr>
+            <a:cxnSpLocks/>
+          </p:cNvCxnSpPr>
+          <p:nvPr/>
+        </p:nvCxnSpPr>
+        <p:spPr>
+          <a:xfrm flipV="1">
+            <a:off x="2438400" y="2247902"/>
+            <a:ext cx="2170612" cy="540448"/>
+          </a:xfrm>
+          <a:prstGeom prst="bentConnector3">
+            <a:avLst>
+              <a:gd name="adj1" fmla="val 47192"/>
+            </a:avLst>
+          </a:prstGeom>
+          <a:ln>
+            <a:tailEnd type="arrow" w="lg" len="lg"/>
+          </a:ln>
+        </p:spPr>
+        <p:style>
+          <a:lnRef idx="2">
+            <a:schemeClr val="accent1"/>
+          </a:lnRef>
+          <a:fillRef idx="0">
+            <a:schemeClr val="accent1"/>
+          </a:fillRef>
+          <a:effectRef idx="1">
+            <a:schemeClr val="accent1"/>
+          </a:effectRef>
+          <a:fontRef idx="minor">
+            <a:schemeClr val="tx1"/>
+          </a:fontRef>
+        </p:style>
+      </p:cxnSp>
+      <p:cxnSp>
+        <p:nvCxnSpPr>
+          <p:cNvPr id="38" name="Elbow Connector 37">
+            <a:extLst>
+              <a:ext uri="{FF2B5EF4-FFF2-40B4-BE49-F238E27FC236}">
+                <a16:creationId xmlns:a16="http://schemas.microsoft.com/office/drawing/2014/main" id="{84F78D39-78C1-F148-BBB1-F7E3955FCB83}"/>
+              </a:ext>
+            </a:extLst>
+          </p:cNvPr>
+          <p:cNvCxnSpPr>
+            <a:cxnSpLocks/>
+          </p:cNvCxnSpPr>
+          <p:nvPr/>
+        </p:nvCxnSpPr>
+        <p:spPr>
+          <a:xfrm>
+            <a:off x="2438400" y="2785590"/>
+            <a:ext cx="2170612" cy="1908253"/>
+          </a:xfrm>
+          <a:prstGeom prst="bentConnector3">
+            <a:avLst>
+              <a:gd name="adj1" fmla="val 46790"/>
+            </a:avLst>
+          </a:prstGeom>
+          <a:ln>
+            <a:tailEnd type="arrow" w="lg" len="lg"/>
+          </a:ln>
+        </p:spPr>
+        <p:style>
+          <a:lnRef idx="2">
+            <a:schemeClr val="accent1"/>
+          </a:lnRef>
+          <a:fillRef idx="0">
+            <a:schemeClr val="accent1"/>
+          </a:fillRef>
+          <a:effectRef idx="1">
+            <a:schemeClr val="accent1"/>
+          </a:effectRef>
+          <a:fontRef idx="minor">
+            <a:schemeClr val="tx1"/>
+          </a:fontRef>
+        </p:style>
+      </p:cxnSp>
+      <p:sp>
+        <p:nvSpPr>
+          <p:cNvPr id="56" name="TextBox 55">
+            <a:extLst>
+              <a:ext uri="{FF2B5EF4-FFF2-40B4-BE49-F238E27FC236}">
+                <a16:creationId xmlns:a16="http://schemas.microsoft.com/office/drawing/2014/main" id="{9BD0C2E4-2DED-A743-B1DE-4995D5BF083B}"/>
+              </a:ext>
+            </a:extLst>
+          </p:cNvPr>
+          <p:cNvSpPr txBox="1"/>
+          <p:nvPr/>
+        </p:nvSpPr>
+        <p:spPr>
+          <a:xfrm>
+            <a:off x="990600" y="455564"/>
+            <a:ext cx="2388325" cy="1015663"/>
+          </a:xfrm>
+          <a:prstGeom prst="rect">
+            <a:avLst/>
+          </a:prstGeom>
+          <a:noFill/>
+        </p:spPr>
+        <p:txBody>
+          <a:bodyPr wrap="square" rtlCol="0">
+            <a:spAutoFit/>
+          </a:bodyPr>
+          <a:lstStyle/>
+          <a:p>
+            <a:pPr algn="r"/>
+            <a:r>
+              <a:rPr lang="en-US" sz="1200" i="1" dirty="0"/>
+              <a:t>As Linux Foundation JDF project, the ToIP Foundation is an approved ISO/IEC JTC 1 Publicly Available Specification Submitter for open standard specifications</a:t>
+            </a:r>
+          </a:p>
+        </p:txBody>
+      </p:sp>
+    </p:spTree>
+    <p:extLst>
+      <p:ext uri="{BB962C8B-B14F-4D97-AF65-F5344CB8AC3E}">
+        <p14:creationId xmlns:p14="http://schemas.microsoft.com/office/powerpoint/2010/main" val="934147653"/>
+      </p:ext>
+    </p:extLst>
+  </p:cSld>
+  <p:clrMapOvr>
+    <a:masterClrMapping/>
+  </p:clrMapOvr>
+</p:sld>
+</file>
+
+<file path=ppt/slides/slide3.xml><?xml version="1.0" encoding="utf-8"?>
+<p:sld xmlns:a="http://schemas.openxmlformats.org/drawingml/2006/main" xmlns:r="http://schemas.openxmlformats.org/officeDocument/2006/relationships" xmlns:p="http://schemas.openxmlformats.org/presentationml/2006/main">
+  <p:cSld>
+    <p:spTree>
+      <p:nvGrpSpPr>
+        <p:cNvPr id="1" name=""/>
+        <p:cNvGrpSpPr/>
+        <p:nvPr/>
+      </p:nvGrpSpPr>
+      <p:grpSpPr>
+        <a:xfrm>
+          <a:off x="0" y="0"/>
+          <a:ext cx="0" cy="0"/>
+          <a:chOff x="0" y="0"/>
+          <a:chExt cx="0" cy="0"/>
+        </a:xfrm>
+      </p:grpSpPr>
+      <p:sp>
+        <p:nvSpPr>
+          <p:cNvPr id="23" name="Folded Corner 22">
+            <a:extLst>
+              <a:ext uri="{FF2B5EF4-FFF2-40B4-BE49-F238E27FC236}">
+                <a16:creationId xmlns:a16="http://schemas.microsoft.com/office/drawing/2014/main" id="{6BBEA8F1-3A65-0546-A052-26121F17F905}"/>
+              </a:ext>
+            </a:extLst>
+          </p:cNvPr>
+          <p:cNvSpPr/>
+          <p:nvPr/>
+        </p:nvSpPr>
+        <p:spPr>
+          <a:xfrm>
+            <a:off x="3609122" y="361736"/>
+            <a:ext cx="1557614" cy="1987980"/>
+          </a:xfrm>
+          <a:prstGeom prst="foldedCorner">
+            <a:avLst/>
+          </a:prstGeom>
+          <a:solidFill>
+            <a:srgbClr val="7030A0"/>
+          </a:solidFill>
+        </p:spPr>
+        <p:style>
+          <a:lnRef idx="1">
+            <a:schemeClr val="accent1"/>
+          </a:lnRef>
+          <a:fillRef idx="3">
+            <a:schemeClr val="accent1"/>
+          </a:fillRef>
+          <a:effectRef idx="2">
+            <a:schemeClr val="accent1"/>
+          </a:effectRef>
+          <a:fontRef idx="minor">
+            <a:schemeClr val="lt1"/>
+          </a:fontRef>
+        </p:style>
+        <p:txBody>
+          <a:bodyPr lIns="0" rIns="0" rtlCol="0" anchor="ctr"/>
+          <a:lstStyle/>
+          <a:p>
+            <a:pPr algn="ctr"/>
+            <a:r>
+              <a:rPr lang="en-US" sz="1600" dirty="0"/>
+              <a:t>Recommendation</a:t>
+            </a:r>
+          </a:p>
+        </p:txBody>
+      </p:sp>
+      <p:sp>
+        <p:nvSpPr>
+          <p:cNvPr id="27" name="Folded Corner 26">
+            <a:extLst>
+              <a:ext uri="{FF2B5EF4-FFF2-40B4-BE49-F238E27FC236}">
+                <a16:creationId xmlns:a16="http://schemas.microsoft.com/office/drawing/2014/main" id="{9627DC66-23B5-C144-AD33-32C9AEA12D96}"/>
+              </a:ext>
+            </a:extLst>
+          </p:cNvPr>
+          <p:cNvSpPr/>
+          <p:nvPr/>
+        </p:nvSpPr>
+        <p:spPr>
+          <a:xfrm>
+            <a:off x="1503244" y="2943683"/>
+            <a:ext cx="1557614" cy="1987980"/>
+          </a:xfrm>
+          <a:prstGeom prst="foldedCorner">
+            <a:avLst/>
+          </a:prstGeom>
+          <a:solidFill>
+            <a:srgbClr val="7030A0"/>
+          </a:solidFill>
+        </p:spPr>
+        <p:style>
+          <a:lnRef idx="1">
+            <a:schemeClr val="accent1"/>
+          </a:lnRef>
+          <a:fillRef idx="3">
+            <a:schemeClr val="accent1"/>
+          </a:fillRef>
+          <a:effectRef idx="2">
+            <a:schemeClr val="accent1"/>
+          </a:effectRef>
+          <a:fontRef idx="minor">
+            <a:schemeClr val="lt1"/>
+          </a:fontRef>
+        </p:style>
+        <p:txBody>
+          <a:bodyPr lIns="0" rIns="0" rtlCol="0" anchor="ctr"/>
+          <a:lstStyle/>
+          <a:p>
+            <a:pPr algn="ctr"/>
+            <a:r>
+              <a:rPr lang="en-US" sz="1600" dirty="0">
+                <a:solidFill>
+                  <a:schemeClr val="bg1"/>
+                </a:solidFill>
+              </a:rPr>
+              <a:t>ToIP </a:t>
+            </a:r>
+            <a:br>
+              <a:rPr lang="en-US" sz="1600" dirty="0">
+                <a:solidFill>
+                  <a:schemeClr val="bg1"/>
+                </a:solidFill>
+              </a:rPr>
+            </a:br>
+            <a:r>
+              <a:rPr lang="en-US" sz="1600" dirty="0">
+                <a:solidFill>
+                  <a:schemeClr val="bg1"/>
+                </a:solidFill>
+              </a:rPr>
+              <a:t>Interoperability Profile</a:t>
+            </a:r>
+          </a:p>
+          <a:p>
+            <a:pPr algn="ctr"/>
+            <a:r>
+              <a:rPr lang="en-US" sz="1600" dirty="0">
+                <a:solidFill>
+                  <a:schemeClr val="bg1"/>
+                </a:solidFill>
+              </a:rPr>
+              <a:t>(TIP)</a:t>
+            </a:r>
+          </a:p>
+        </p:txBody>
+      </p:sp>
+      <p:sp>
+        <p:nvSpPr>
+          <p:cNvPr id="29" name="Folded Corner 28">
+            <a:extLst>
+              <a:ext uri="{FF2B5EF4-FFF2-40B4-BE49-F238E27FC236}">
+                <a16:creationId xmlns:a16="http://schemas.microsoft.com/office/drawing/2014/main" id="{C5F9E1C8-9CD0-F24B-856A-951DC62455D2}"/>
+              </a:ext>
+            </a:extLst>
+          </p:cNvPr>
+          <p:cNvSpPr/>
+          <p:nvPr/>
+        </p:nvSpPr>
+        <p:spPr>
+          <a:xfrm>
+            <a:off x="3609122" y="2947153"/>
+            <a:ext cx="1557614" cy="1987980"/>
+          </a:xfrm>
+          <a:prstGeom prst="foldedCorner">
+            <a:avLst/>
+          </a:prstGeom>
+          <a:solidFill>
+            <a:srgbClr val="7030A0"/>
+          </a:solidFill>
+        </p:spPr>
+        <p:style>
+          <a:lnRef idx="1">
+            <a:schemeClr val="accent1"/>
+          </a:lnRef>
+          <a:fillRef idx="3">
+            <a:schemeClr val="accent1"/>
+          </a:fillRef>
+          <a:effectRef idx="2">
+            <a:schemeClr val="accent1"/>
+          </a:effectRef>
+          <a:fontRef idx="minor">
+            <a:schemeClr val="lt1"/>
+          </a:fontRef>
+        </p:style>
+        <p:txBody>
+          <a:bodyPr lIns="0" rIns="0" rtlCol="0" anchor="ctr"/>
+          <a:lstStyle/>
+          <a:p>
+            <a:pPr algn="ctr"/>
+            <a:r>
+              <a:rPr lang="en-US" sz="1600" dirty="0">
+                <a:solidFill>
+                  <a:schemeClr val="bg1"/>
+                </a:solidFill>
+              </a:rPr>
+              <a:t>Design</a:t>
+            </a:r>
+            <a:br>
+              <a:rPr lang="en-US" sz="1600" dirty="0">
+                <a:solidFill>
+                  <a:schemeClr val="bg1"/>
+                </a:solidFill>
+              </a:rPr>
+            </a:br>
+            <a:r>
+              <a:rPr lang="en-US" sz="1600" dirty="0">
+                <a:solidFill>
+                  <a:schemeClr val="bg1"/>
+                </a:solidFill>
+              </a:rPr>
+              <a:t>Principles</a:t>
+            </a:r>
+          </a:p>
+        </p:txBody>
+      </p:sp>
+      <p:cxnSp>
+        <p:nvCxnSpPr>
+          <p:cNvPr id="32" name="Elbow Connector 31">
+            <a:extLst>
+              <a:ext uri="{FF2B5EF4-FFF2-40B4-BE49-F238E27FC236}">
+                <a16:creationId xmlns:a16="http://schemas.microsoft.com/office/drawing/2014/main" id="{9E852E28-0517-BF49-850D-39C76DCA7A18}"/>
+              </a:ext>
+            </a:extLst>
+          </p:cNvPr>
+          <p:cNvCxnSpPr>
+            <a:cxnSpLocks/>
+            <a:stCxn id="23" idx="2"/>
+            <a:endCxn id="27" idx="0"/>
+          </p:cNvCxnSpPr>
+          <p:nvPr/>
+        </p:nvCxnSpPr>
+        <p:spPr>
+          <a:xfrm rot="5400000">
+            <a:off x="3038007" y="1593760"/>
+            <a:ext cx="593967" cy="2105878"/>
+          </a:xfrm>
+          <a:prstGeom prst="bentConnector3">
+            <a:avLst>
+              <a:gd name="adj1" fmla="val 50000"/>
+            </a:avLst>
+          </a:prstGeom>
+          <a:ln>
+            <a:tailEnd type="none"/>
+          </a:ln>
+        </p:spPr>
+        <p:style>
+          <a:lnRef idx="1">
+            <a:schemeClr val="dk1"/>
+          </a:lnRef>
+          <a:fillRef idx="0">
+            <a:schemeClr val="dk1"/>
+          </a:fillRef>
+          <a:effectRef idx="0">
+            <a:schemeClr val="dk1"/>
+          </a:effectRef>
+          <a:fontRef idx="minor">
+            <a:schemeClr val="tx1"/>
+          </a:fontRef>
+        </p:style>
+      </p:cxnSp>
+      <p:sp>
+        <p:nvSpPr>
+          <p:cNvPr id="30" name="Folded Corner 29">
+            <a:extLst>
+              <a:ext uri="{FF2B5EF4-FFF2-40B4-BE49-F238E27FC236}">
+                <a16:creationId xmlns:a16="http://schemas.microsoft.com/office/drawing/2014/main" id="{827738AE-B888-7344-92FB-8F8AA81DB9BB}"/>
+              </a:ext>
+            </a:extLst>
+          </p:cNvPr>
+          <p:cNvSpPr/>
+          <p:nvPr/>
+        </p:nvSpPr>
+        <p:spPr>
+          <a:xfrm>
+            <a:off x="5715000" y="2953503"/>
+            <a:ext cx="1557614" cy="1987980"/>
+          </a:xfrm>
+          <a:prstGeom prst="foldedCorner">
+            <a:avLst/>
+          </a:prstGeom>
+          <a:solidFill>
+            <a:srgbClr val="7030A0"/>
+          </a:solidFill>
+        </p:spPr>
+        <p:style>
+          <a:lnRef idx="1">
+            <a:schemeClr val="accent1"/>
+          </a:lnRef>
+          <a:fillRef idx="3">
+            <a:schemeClr val="accent1"/>
+          </a:fillRef>
+          <a:effectRef idx="2">
+            <a:schemeClr val="accent1"/>
+          </a:effectRef>
+          <a:fontRef idx="minor">
+            <a:schemeClr val="lt1"/>
+          </a:fontRef>
+        </p:style>
+        <p:txBody>
+          <a:bodyPr lIns="0" rIns="0" rtlCol="0" anchor="ctr"/>
+          <a:lstStyle/>
+          <a:p>
+            <a:pPr algn="ctr"/>
+            <a:r>
+              <a:rPr lang="en-US" sz="1600" dirty="0">
+                <a:solidFill>
+                  <a:schemeClr val="bg1"/>
+                </a:solidFill>
+              </a:rPr>
+              <a:t>Best Practices</a:t>
+            </a:r>
+          </a:p>
+        </p:txBody>
+      </p:sp>
+      <p:cxnSp>
+        <p:nvCxnSpPr>
+          <p:cNvPr id="31" name="Elbow Connector 30">
+            <a:extLst>
+              <a:ext uri="{FF2B5EF4-FFF2-40B4-BE49-F238E27FC236}">
+                <a16:creationId xmlns:a16="http://schemas.microsoft.com/office/drawing/2014/main" id="{BD6BF34C-65EB-FE4D-A6FC-1C54F37CDA17}"/>
+              </a:ext>
+            </a:extLst>
+          </p:cNvPr>
+          <p:cNvCxnSpPr>
+            <a:cxnSpLocks/>
+            <a:stCxn id="23" idx="2"/>
+            <a:endCxn id="30" idx="0"/>
+          </p:cNvCxnSpPr>
+          <p:nvPr/>
+        </p:nvCxnSpPr>
+        <p:spPr>
+          <a:xfrm rot="16200000" flipH="1">
+            <a:off x="5138975" y="1598670"/>
+            <a:ext cx="603787" cy="2105878"/>
+          </a:xfrm>
+          <a:prstGeom prst="bentConnector3">
+            <a:avLst>
+              <a:gd name="adj1" fmla="val 50000"/>
+            </a:avLst>
+          </a:prstGeom>
+          <a:ln>
+            <a:tailEnd type="none"/>
+          </a:ln>
+        </p:spPr>
+        <p:style>
+          <a:lnRef idx="1">
+            <a:schemeClr val="dk1"/>
+          </a:lnRef>
+          <a:fillRef idx="0">
+            <a:schemeClr val="dk1"/>
+          </a:fillRef>
+          <a:effectRef idx="0">
+            <a:schemeClr val="dk1"/>
+          </a:effectRef>
+          <a:fontRef idx="minor">
+            <a:schemeClr val="tx1"/>
+          </a:fontRef>
+        </p:style>
+      </p:cxnSp>
+      <p:cxnSp>
+        <p:nvCxnSpPr>
+          <p:cNvPr id="25" name="Straight Connector 24">
+            <a:extLst>
+              <a:ext uri="{FF2B5EF4-FFF2-40B4-BE49-F238E27FC236}">
+                <a16:creationId xmlns:a16="http://schemas.microsoft.com/office/drawing/2014/main" id="{E5EF27D1-8DA6-8047-9C33-5A21D83E0ACF}"/>
+              </a:ext>
+            </a:extLst>
+          </p:cNvPr>
+          <p:cNvCxnSpPr>
+            <a:cxnSpLocks/>
+            <a:stCxn id="23" idx="2"/>
+            <a:endCxn id="29" idx="0"/>
+          </p:cNvCxnSpPr>
+          <p:nvPr/>
+        </p:nvCxnSpPr>
+        <p:spPr>
+          <a:xfrm>
+            <a:off x="4387929" y="2349716"/>
+            <a:ext cx="0" cy="597437"/>
+          </a:xfrm>
+          <a:prstGeom prst="line">
+            <a:avLst/>
+          </a:prstGeom>
+        </p:spPr>
+        <p:style>
+          <a:lnRef idx="1">
+            <a:schemeClr val="dk1"/>
+          </a:lnRef>
+          <a:fillRef idx="0">
+            <a:schemeClr val="dk1"/>
+          </a:fillRef>
+          <a:effectRef idx="0">
+            <a:schemeClr val="dk1"/>
+          </a:effectRef>
+          <a:fontRef idx="minor">
+            <a:schemeClr val="tx1"/>
+          </a:fontRef>
+        </p:style>
+      </p:cxnSp>
+    </p:spTree>
+    <p:extLst>
+      <p:ext uri="{BB962C8B-B14F-4D97-AF65-F5344CB8AC3E}">
+        <p14:creationId xmlns:p14="http://schemas.microsoft.com/office/powerpoint/2010/main" val="1692495679"/>
+      </p:ext>
+    </p:extLst>
+  </p:cSld>
+  <p:clrMapOvr>
+    <a:masterClrMapping/>
+  </p:clrMapOvr>
+</p:sld>
+</file>
+
+<file path=ppt/slides/slide4.xml><?xml version="1.0" encoding="utf-8"?>
+<p:sld xmlns:a="http://schemas.openxmlformats.org/drawingml/2006/main" xmlns:r="http://schemas.openxmlformats.org/officeDocument/2006/relationships" xmlns:p="http://schemas.openxmlformats.org/presentationml/2006/main">
+  <p:cSld>
+    <p:spTree>
+      <p:nvGrpSpPr>
+        <p:cNvPr id="1" name=""/>
+        <p:cNvGrpSpPr/>
+        <p:nvPr/>
+      </p:nvGrpSpPr>
+      <p:grpSpPr>
+        <a:xfrm>
+          <a:off x="0" y="0"/>
+          <a:ext cx="0" cy="0"/>
+          <a:chOff x="0" y="0"/>
+          <a:chExt cx="0" cy="0"/>
+        </a:xfrm>
+      </p:grpSpPr>
+      <p:sp>
+        <p:nvSpPr>
           <p:cNvPr id="3" name="Folded Corner 2">
             <a:extLst>
               <a:ext uri="{FF2B5EF4-FFF2-40B4-BE49-F238E27FC236}">
@@ -4809,8 +5548,8 @@
         </p:nvSpPr>
         <p:spPr>
           <a:xfrm>
-            <a:off x="4614120" y="2637064"/>
-            <a:ext cx="1405078" cy="1600200"/>
+            <a:off x="4663781" y="2628900"/>
+            <a:ext cx="1219200" cy="1600200"/>
           </a:xfrm>
           <a:prstGeom prst="foldedCorner">
             <a:avLst/>
@@ -4839,8 +5578,8 @@
           <a:p>
             <a:pPr algn="ctr"/>
             <a:r>
-              <a:rPr lang="en-US" sz="1400" dirty="0"/>
-              <a:t>Recommendation</a:t>
+              <a:rPr lang="en-US" sz="1600" dirty="0"/>
+              <a:t>Recommend-ation</a:t>
             </a:r>
           </a:p>
         </p:txBody>
@@ -4859,8 +5598,8 @@
         </p:nvSpPr>
         <p:spPr>
           <a:xfrm>
-            <a:off x="6128055" y="2628901"/>
-            <a:ext cx="1398505" cy="1600200"/>
+            <a:off x="6066541" y="2628900"/>
+            <a:ext cx="1219200" cy="1600200"/>
           </a:xfrm>
           <a:prstGeom prst="foldedCorner">
             <a:avLst/>
@@ -4889,8 +5628,8 @@
           <a:p>
             <a:pPr algn="ctr"/>
             <a:r>
-              <a:rPr lang="en-US" sz="1400" dirty="0"/>
-              <a:t>Guides</a:t>
+              <a:rPr lang="en-US" sz="1600" dirty="0"/>
+              <a:t>Implement-ation Plan</a:t>
             </a:r>
           </a:p>
         </p:txBody>
@@ -4909,8 +5648,8 @@
         </p:nvSpPr>
         <p:spPr>
           <a:xfrm>
-            <a:off x="7619706" y="2637064"/>
-            <a:ext cx="1412099" cy="1600200"/>
+            <a:off x="7469299" y="2637064"/>
+            <a:ext cx="1219200" cy="1600200"/>
           </a:xfrm>
           <a:prstGeom prst="foldedCorner">
             <a:avLst/>
@@ -4937,7 +5676,7 @@
           <a:p>
             <a:pPr algn="ctr"/>
             <a:r>
-              <a:rPr lang="en-US" sz="1400" dirty="0">
+              <a:rPr lang="en-US" sz="1600" dirty="0">
                 <a:solidFill>
                   <a:schemeClr val="tx1"/>
                 </a:solidFill>
@@ -4966,8 +5705,8 @@
         </p:nvCxnSpPr>
         <p:spPr>
           <a:xfrm rot="16200000" flipH="1">
-            <a:off x="4514805" y="1835209"/>
-            <a:ext cx="700315" cy="903393"/>
+            <a:off x="4497248" y="1852766"/>
+            <a:ext cx="692151" cy="860115"/>
           </a:xfrm>
           <a:prstGeom prst="bentConnector3">
             <a:avLst/>
@@ -5009,8 +5748,8 @@
         </p:nvCxnSpPr>
         <p:spPr>
           <a:xfrm rot="5400000">
-            <a:off x="2264291" y="464568"/>
-            <a:ext cx="676795" cy="3621156"/>
+            <a:off x="2393109" y="608742"/>
+            <a:ext cx="692151" cy="3348165"/>
           </a:xfrm>
           <a:prstGeom prst="bentConnector3">
             <a:avLst>
@@ -5054,8 +5793,8 @@
         </p:nvCxnSpPr>
         <p:spPr>
           <a:xfrm rot="16200000" flipH="1">
-            <a:off x="6019354" y="330661"/>
-            <a:ext cx="700315" cy="3912490"/>
+            <a:off x="5895925" y="454089"/>
+            <a:ext cx="700315" cy="3665633"/>
           </a:xfrm>
           <a:prstGeom prst="bentConnector3">
             <a:avLst>
@@ -5095,8 +5834,8 @@
         </p:nvSpPr>
         <p:spPr>
           <a:xfrm>
-            <a:off x="83237" y="2613544"/>
-            <a:ext cx="1417746" cy="1600200"/>
+            <a:off x="455501" y="2628900"/>
+            <a:ext cx="1219200" cy="1600200"/>
           </a:xfrm>
           <a:prstGeom prst="foldedCorner">
             <a:avLst/>
@@ -5125,7 +5864,7 @@
           <a:p>
             <a:pPr algn="ctr"/>
             <a:r>
-              <a:rPr lang="en-US" sz="1400" dirty="0"/>
+              <a:rPr lang="en-US" sz="1600" dirty="0"/>
               <a:t>Specification</a:t>
             </a:r>
           </a:p>
@@ -5149,8 +5888,8 @@
         </p:nvCxnSpPr>
         <p:spPr>
           <a:xfrm rot="16200000" flipH="1">
-            <a:off x="5274211" y="1075804"/>
-            <a:ext cx="692152" cy="2414042"/>
+            <a:off x="5198628" y="1151386"/>
+            <a:ext cx="692151" cy="2262875"/>
           </a:xfrm>
           <a:prstGeom prst="bentConnector3">
             <a:avLst/>
@@ -5188,8 +5927,8 @@
         </p:nvSpPr>
         <p:spPr>
           <a:xfrm>
-            <a:off x="1603846" y="2637064"/>
-            <a:ext cx="1405078" cy="1600200"/>
+            <a:off x="1858261" y="2622549"/>
+            <a:ext cx="1219200" cy="1600200"/>
           </a:xfrm>
           <a:prstGeom prst="foldedCorner">
             <a:avLst/>
@@ -5218,7 +5957,7 @@
           <a:p>
             <a:pPr algn="ctr"/>
             <a:r>
-              <a:rPr lang="en-US" sz="1400" dirty="0"/>
+              <a:rPr lang="en-US" sz="1600" dirty="0"/>
               <a:t>Template</a:t>
             </a:r>
           </a:p>
@@ -5242,8 +5981,8 @@
         </p:nvCxnSpPr>
         <p:spPr>
           <a:xfrm rot="5400000">
-            <a:off x="3009669" y="1233466"/>
-            <a:ext cx="700315" cy="2106881"/>
+            <a:off x="3097664" y="1306947"/>
+            <a:ext cx="685800" cy="1945405"/>
           </a:xfrm>
           <a:prstGeom prst="bentConnector3">
             <a:avLst/>
@@ -5281,8 +6020,8 @@
         </p:nvSpPr>
         <p:spPr>
           <a:xfrm>
-            <a:off x="3100185" y="2637064"/>
-            <a:ext cx="1405078" cy="1600200"/>
+            <a:off x="3261021" y="2622549"/>
+            <a:ext cx="1219200" cy="1600200"/>
           </a:xfrm>
           <a:prstGeom prst="foldedCorner">
             <a:avLst/>
@@ -5311,8 +6050,8 @@
           <a:p>
             <a:pPr algn="ctr"/>
             <a:r>
-              <a:rPr lang="en-US" sz="1400" dirty="0"/>
-              <a:t>Glossary</a:t>
+              <a:rPr lang="en-US" sz="1600" dirty="0"/>
+              <a:t>Definition</a:t>
             </a:r>
           </a:p>
         </p:txBody>
@@ -5335,8 +6074,8 @@
         </p:nvCxnSpPr>
         <p:spPr>
           <a:xfrm rot="5400000">
-            <a:off x="3757838" y="1981635"/>
-            <a:ext cx="700315" cy="610542"/>
+            <a:off x="3799044" y="2008327"/>
+            <a:ext cx="685800" cy="542645"/>
           </a:xfrm>
           <a:prstGeom prst="bentConnector3">
             <a:avLst>
@@ -5544,6 +6283,842 @@
     </p:spTree>
     <p:extLst>
       <p:ext uri="{BB962C8B-B14F-4D97-AF65-F5344CB8AC3E}">
+        <p14:creationId xmlns:p14="http://schemas.microsoft.com/office/powerpoint/2010/main" val="1357921720"/>
+      </p:ext>
+    </p:extLst>
+  </p:cSld>
+  <p:clrMapOvr>
+    <a:masterClrMapping/>
+  </p:clrMapOvr>
+</p:sld>
+</file>
+
+<file path=ppt/slides/slide5.xml><?xml version="1.0" encoding="utf-8"?>
+<p:sld xmlns:a="http://schemas.openxmlformats.org/drawingml/2006/main" xmlns:r="http://schemas.openxmlformats.org/officeDocument/2006/relationships" xmlns:p="http://schemas.openxmlformats.org/presentationml/2006/main">
+  <p:cSld>
+    <p:spTree>
+      <p:nvGrpSpPr>
+        <p:cNvPr id="1" name=""/>
+        <p:cNvGrpSpPr/>
+        <p:nvPr/>
+      </p:nvGrpSpPr>
+      <p:grpSpPr>
+        <a:xfrm>
+          <a:off x="0" y="0"/>
+          <a:ext cx="0" cy="0"/>
+          <a:chOff x="0" y="0"/>
+          <a:chExt cx="0" cy="0"/>
+        </a:xfrm>
+      </p:grpSpPr>
+      <p:sp>
+        <p:nvSpPr>
+          <p:cNvPr id="3" name="Folded Corner 2">
+            <a:extLst>
+              <a:ext uri="{FF2B5EF4-FFF2-40B4-BE49-F238E27FC236}">
+                <a16:creationId xmlns:a16="http://schemas.microsoft.com/office/drawing/2014/main" id="{42871BA4-693C-4848-8DB6-8150DFE6DF30}"/>
+              </a:ext>
+            </a:extLst>
+          </p:cNvPr>
+          <p:cNvSpPr/>
+          <p:nvPr/>
+        </p:nvSpPr>
+        <p:spPr>
+          <a:xfrm>
+            <a:off x="3803666" y="336549"/>
+            <a:ext cx="1219200" cy="1600200"/>
+          </a:xfrm>
+          <a:prstGeom prst="foldedCorner">
+            <a:avLst/>
+          </a:prstGeom>
+          <a:solidFill>
+            <a:schemeClr val="tx1">
+              <a:lumMod val="65000"/>
+              <a:lumOff val="35000"/>
+            </a:schemeClr>
+          </a:solidFill>
+        </p:spPr>
+        <p:style>
+          <a:lnRef idx="1">
+            <a:schemeClr val="accent1"/>
+          </a:lnRef>
+          <a:fillRef idx="3">
+            <a:schemeClr val="accent1"/>
+          </a:fillRef>
+          <a:effectRef idx="2">
+            <a:schemeClr val="accent1"/>
+          </a:effectRef>
+          <a:fontRef idx="minor">
+            <a:schemeClr val="lt1"/>
+          </a:fontRef>
+        </p:style>
+        <p:txBody>
+          <a:bodyPr lIns="0" rIns="0" rtlCol="0" anchor="ctr"/>
+          <a:lstStyle/>
+          <a:p>
+            <a:pPr algn="ctr"/>
+            <a:r>
+              <a:rPr lang="en-US" sz="1600" dirty="0"/>
+              <a:t>ToIP</a:t>
+            </a:r>
+            <a:br>
+              <a:rPr lang="en-US" sz="1600" dirty="0"/>
+            </a:br>
+            <a:r>
+              <a:rPr lang="en-US" sz="1600" dirty="0"/>
+              <a:t>Deliverable</a:t>
+            </a:r>
+          </a:p>
+        </p:txBody>
+      </p:sp>
+      <p:sp>
+        <p:nvSpPr>
+          <p:cNvPr id="5" name="Folded Corner 4">
+            <a:extLst>
+              <a:ext uri="{FF2B5EF4-FFF2-40B4-BE49-F238E27FC236}">
+                <a16:creationId xmlns:a16="http://schemas.microsoft.com/office/drawing/2014/main" id="{70E4C398-9C5E-2A45-AC8A-6319F14116B1}"/>
+              </a:ext>
+            </a:extLst>
+          </p:cNvPr>
+          <p:cNvSpPr/>
+          <p:nvPr/>
+        </p:nvSpPr>
+        <p:spPr>
+          <a:xfrm>
+            <a:off x="4614120" y="2637064"/>
+            <a:ext cx="1405078" cy="1600200"/>
+          </a:xfrm>
+          <a:prstGeom prst="foldedCorner">
+            <a:avLst/>
+          </a:prstGeom>
+          <a:solidFill>
+            <a:srgbClr val="7030A0"/>
+          </a:solidFill>
+        </p:spPr>
+        <p:style>
+          <a:lnRef idx="1">
+            <a:schemeClr val="accent1"/>
+          </a:lnRef>
+          <a:fillRef idx="3">
+            <a:schemeClr val="accent1"/>
+          </a:fillRef>
+          <a:effectRef idx="2">
+            <a:schemeClr val="accent1"/>
+          </a:effectRef>
+          <a:fontRef idx="minor">
+            <a:schemeClr val="lt1"/>
+          </a:fontRef>
+        </p:style>
+        <p:txBody>
+          <a:bodyPr lIns="0" rIns="0" rtlCol="0" anchor="ctr"/>
+          <a:lstStyle/>
+          <a:p>
+            <a:pPr algn="ctr"/>
+            <a:r>
+              <a:rPr lang="en-US" sz="1400" dirty="0"/>
+              <a:t>Recommendation</a:t>
+            </a:r>
+          </a:p>
+        </p:txBody>
+      </p:sp>
+      <p:sp>
+        <p:nvSpPr>
+          <p:cNvPr id="7" name="Folded Corner 6">
+            <a:extLst>
+              <a:ext uri="{FF2B5EF4-FFF2-40B4-BE49-F238E27FC236}">
+                <a16:creationId xmlns:a16="http://schemas.microsoft.com/office/drawing/2014/main" id="{72B2827C-84C7-C64F-B2CB-D902AB7F5865}"/>
+              </a:ext>
+            </a:extLst>
+          </p:cNvPr>
+          <p:cNvSpPr/>
+          <p:nvPr/>
+        </p:nvSpPr>
+        <p:spPr>
+          <a:xfrm>
+            <a:off x="6128055" y="2628901"/>
+            <a:ext cx="1398505" cy="1600200"/>
+          </a:xfrm>
+          <a:prstGeom prst="foldedCorner">
+            <a:avLst/>
+          </a:prstGeom>
+          <a:solidFill>
+            <a:srgbClr val="119209"/>
+          </a:solidFill>
+        </p:spPr>
+        <p:style>
+          <a:lnRef idx="1">
+            <a:schemeClr val="accent1"/>
+          </a:lnRef>
+          <a:fillRef idx="3">
+            <a:schemeClr val="accent1"/>
+          </a:fillRef>
+          <a:effectRef idx="2">
+            <a:schemeClr val="accent1"/>
+          </a:effectRef>
+          <a:fontRef idx="minor">
+            <a:schemeClr val="lt1"/>
+          </a:fontRef>
+        </p:style>
+        <p:txBody>
+          <a:bodyPr lIns="0" rIns="0" rtlCol="0" anchor="ctr"/>
+          <a:lstStyle/>
+          <a:p>
+            <a:pPr algn="ctr"/>
+            <a:r>
+              <a:rPr lang="en-US" sz="1400" dirty="0"/>
+              <a:t>Guides</a:t>
+            </a:r>
+          </a:p>
+        </p:txBody>
+      </p:sp>
+      <p:sp>
+        <p:nvSpPr>
+          <p:cNvPr id="8" name="Folded Corner 7">
+            <a:extLst>
+              <a:ext uri="{FF2B5EF4-FFF2-40B4-BE49-F238E27FC236}">
+                <a16:creationId xmlns:a16="http://schemas.microsoft.com/office/drawing/2014/main" id="{04BA4FD2-ECFE-594E-82AC-2F95831C995B}"/>
+              </a:ext>
+            </a:extLst>
+          </p:cNvPr>
+          <p:cNvSpPr/>
+          <p:nvPr/>
+        </p:nvSpPr>
+        <p:spPr>
+          <a:xfrm>
+            <a:off x="7619706" y="2637064"/>
+            <a:ext cx="1412099" cy="1600200"/>
+          </a:xfrm>
+          <a:prstGeom prst="foldedCorner">
+            <a:avLst/>
+          </a:prstGeom>
+          <a:noFill/>
+        </p:spPr>
+        <p:style>
+          <a:lnRef idx="1">
+            <a:schemeClr val="accent1"/>
+          </a:lnRef>
+          <a:fillRef idx="3">
+            <a:schemeClr val="accent1"/>
+          </a:fillRef>
+          <a:effectRef idx="2">
+            <a:schemeClr val="accent1"/>
+          </a:effectRef>
+          <a:fontRef idx="minor">
+            <a:schemeClr val="lt1"/>
+          </a:fontRef>
+        </p:style>
+        <p:txBody>
+          <a:bodyPr lIns="0" rIns="0" rtlCol="0" anchor="ctr"/>
+          <a:lstStyle/>
+          <a:p>
+            <a:pPr algn="ctr"/>
+            <a:r>
+              <a:rPr lang="en-US" sz="1400" dirty="0">
+                <a:solidFill>
+                  <a:schemeClr val="tx1"/>
+                </a:solidFill>
+                <a:effectLst/>
+              </a:rPr>
+              <a:t>White Paper</a:t>
+            </a:r>
+          </a:p>
+        </p:txBody>
+      </p:sp>
+      <p:cxnSp>
+        <p:nvCxnSpPr>
+          <p:cNvPr id="13" name="Elbow Connector 12">
+            <a:extLst>
+              <a:ext uri="{FF2B5EF4-FFF2-40B4-BE49-F238E27FC236}">
+                <a16:creationId xmlns:a16="http://schemas.microsoft.com/office/drawing/2014/main" id="{706277EC-8E6A-A44F-956C-939B088390C1}"/>
+              </a:ext>
+            </a:extLst>
+          </p:cNvPr>
+          <p:cNvCxnSpPr>
+            <a:cxnSpLocks/>
+            <a:stCxn id="3" idx="2"/>
+            <a:endCxn id="5" idx="0"/>
+          </p:cNvCxnSpPr>
+          <p:nvPr/>
+        </p:nvCxnSpPr>
+        <p:spPr>
+          <a:xfrm rot="16200000" flipH="1">
+            <a:off x="4514805" y="1835209"/>
+            <a:ext cx="700315" cy="903393"/>
+          </a:xfrm>
+          <a:prstGeom prst="bentConnector3">
+            <a:avLst/>
+          </a:prstGeom>
+          <a:ln>
+            <a:tailEnd type="none"/>
+          </a:ln>
+        </p:spPr>
+        <p:style>
+          <a:lnRef idx="1">
+            <a:schemeClr val="dk1"/>
+          </a:lnRef>
+          <a:fillRef idx="0">
+            <a:schemeClr val="dk1"/>
+          </a:fillRef>
+          <a:effectRef idx="0">
+            <a:schemeClr val="dk1"/>
+          </a:effectRef>
+          <a:fontRef idx="minor">
+            <a:schemeClr val="tx1"/>
+          </a:fontRef>
+        </p:style>
+      </p:cxnSp>
+      <p:cxnSp>
+        <p:nvCxnSpPr>
+          <p:cNvPr id="14" name="Elbow Connector 13">
+            <a:extLst>
+              <a:ext uri="{FF2B5EF4-FFF2-40B4-BE49-F238E27FC236}">
+                <a16:creationId xmlns:a16="http://schemas.microsoft.com/office/drawing/2014/main" id="{BD1684D0-FCF6-5446-AA42-99A2F5613258}"/>
+              </a:ext>
+            </a:extLst>
+          </p:cNvPr>
+          <p:cNvCxnSpPr>
+            <a:cxnSpLocks/>
+            <a:stCxn id="3" idx="2"/>
+            <a:endCxn id="23" idx="0"/>
+          </p:cNvCxnSpPr>
+          <p:nvPr/>
+        </p:nvCxnSpPr>
+        <p:spPr>
+          <a:xfrm rot="5400000">
+            <a:off x="2264291" y="464568"/>
+            <a:ext cx="676795" cy="3621156"/>
+          </a:xfrm>
+          <a:prstGeom prst="bentConnector3">
+            <a:avLst>
+              <a:gd name="adj1" fmla="val 50000"/>
+            </a:avLst>
+          </a:prstGeom>
+          <a:ln>
+            <a:tailEnd type="none"/>
+          </a:ln>
+        </p:spPr>
+        <p:style>
+          <a:lnRef idx="1">
+            <a:schemeClr val="dk1"/>
+          </a:lnRef>
+          <a:fillRef idx="0">
+            <a:schemeClr val="dk1"/>
+          </a:fillRef>
+          <a:effectRef idx="0">
+            <a:schemeClr val="dk1"/>
+          </a:effectRef>
+          <a:fontRef idx="minor">
+            <a:schemeClr val="tx1"/>
+          </a:fontRef>
+        </p:style>
+      </p:cxnSp>
+      <p:cxnSp>
+        <p:nvCxnSpPr>
+          <p:cNvPr id="17" name="Elbow Connector 16">
+            <a:extLst>
+              <a:ext uri="{FF2B5EF4-FFF2-40B4-BE49-F238E27FC236}">
+                <a16:creationId xmlns:a16="http://schemas.microsoft.com/office/drawing/2014/main" id="{C3758D41-CED7-6642-B826-B8EDFD528EB1}"/>
+              </a:ext>
+            </a:extLst>
+          </p:cNvPr>
+          <p:cNvCxnSpPr>
+            <a:cxnSpLocks/>
+            <a:stCxn id="3" idx="2"/>
+            <a:endCxn id="8" idx="0"/>
+          </p:cNvCxnSpPr>
+          <p:nvPr/>
+        </p:nvCxnSpPr>
+        <p:spPr>
+          <a:xfrm rot="16200000" flipH="1">
+            <a:off x="6019354" y="330661"/>
+            <a:ext cx="700315" cy="3912490"/>
+          </a:xfrm>
+          <a:prstGeom prst="bentConnector3">
+            <a:avLst>
+              <a:gd name="adj1" fmla="val 50000"/>
+            </a:avLst>
+          </a:prstGeom>
+          <a:ln>
+            <a:tailEnd type="none"/>
+          </a:ln>
+        </p:spPr>
+        <p:style>
+          <a:lnRef idx="1">
+            <a:schemeClr val="dk1"/>
+          </a:lnRef>
+          <a:fillRef idx="0">
+            <a:schemeClr val="dk1"/>
+          </a:fillRef>
+          <a:effectRef idx="0">
+            <a:schemeClr val="dk1"/>
+          </a:effectRef>
+          <a:fontRef idx="minor">
+            <a:schemeClr val="tx1"/>
+          </a:fontRef>
+        </p:style>
+      </p:cxnSp>
+      <p:sp>
+        <p:nvSpPr>
+          <p:cNvPr id="23" name="Folded Corner 22">
+            <a:extLst>
+              <a:ext uri="{FF2B5EF4-FFF2-40B4-BE49-F238E27FC236}">
+                <a16:creationId xmlns:a16="http://schemas.microsoft.com/office/drawing/2014/main" id="{6BBEA8F1-3A65-0546-A052-26121F17F905}"/>
+              </a:ext>
+            </a:extLst>
+          </p:cNvPr>
+          <p:cNvSpPr/>
+          <p:nvPr/>
+        </p:nvSpPr>
+        <p:spPr>
+          <a:xfrm>
+            <a:off x="83237" y="2613544"/>
+            <a:ext cx="1417746" cy="1600200"/>
+          </a:xfrm>
+          <a:prstGeom prst="foldedCorner">
+            <a:avLst/>
+          </a:prstGeom>
+          <a:solidFill>
+            <a:schemeClr val="accent6"/>
+          </a:solidFill>
+        </p:spPr>
+        <p:style>
+          <a:lnRef idx="1">
+            <a:schemeClr val="accent1"/>
+          </a:lnRef>
+          <a:fillRef idx="3">
+            <a:schemeClr val="accent1"/>
+          </a:fillRef>
+          <a:effectRef idx="2">
+            <a:schemeClr val="accent1"/>
+          </a:effectRef>
+          <a:fontRef idx="minor">
+            <a:schemeClr val="lt1"/>
+          </a:fontRef>
+        </p:style>
+        <p:txBody>
+          <a:bodyPr lIns="0" rIns="0" rtlCol="0" anchor="ctr"/>
+          <a:lstStyle/>
+          <a:p>
+            <a:pPr algn="ctr"/>
+            <a:r>
+              <a:rPr lang="en-US" sz="1400" dirty="0"/>
+              <a:t>Specification</a:t>
+            </a:r>
+          </a:p>
+        </p:txBody>
+      </p:sp>
+      <p:cxnSp>
+        <p:nvCxnSpPr>
+          <p:cNvPr id="37" name="Elbow Connector 36">
+            <a:extLst>
+              <a:ext uri="{FF2B5EF4-FFF2-40B4-BE49-F238E27FC236}">
+                <a16:creationId xmlns:a16="http://schemas.microsoft.com/office/drawing/2014/main" id="{738E3791-F597-E841-8EBD-FAD64F5CB73E}"/>
+              </a:ext>
+            </a:extLst>
+          </p:cNvPr>
+          <p:cNvCxnSpPr>
+            <a:cxnSpLocks/>
+            <a:stCxn id="3" idx="2"/>
+            <a:endCxn id="7" idx="0"/>
+          </p:cNvCxnSpPr>
+          <p:nvPr/>
+        </p:nvCxnSpPr>
+        <p:spPr>
+          <a:xfrm rot="16200000" flipH="1">
+            <a:off x="5274211" y="1075804"/>
+            <a:ext cx="692152" cy="2414042"/>
+          </a:xfrm>
+          <a:prstGeom prst="bentConnector3">
+            <a:avLst/>
+          </a:prstGeom>
+          <a:ln>
+            <a:tailEnd type="none"/>
+          </a:ln>
+        </p:spPr>
+        <p:style>
+          <a:lnRef idx="1">
+            <a:schemeClr val="dk1"/>
+          </a:lnRef>
+          <a:fillRef idx="0">
+            <a:schemeClr val="dk1"/>
+          </a:fillRef>
+          <a:effectRef idx="0">
+            <a:schemeClr val="dk1"/>
+          </a:effectRef>
+          <a:fontRef idx="minor">
+            <a:schemeClr val="tx1"/>
+          </a:fontRef>
+        </p:style>
+      </p:cxnSp>
+      <p:sp>
+        <p:nvSpPr>
+          <p:cNvPr id="41" name="Folded Corner 40">
+            <a:extLst>
+              <a:ext uri="{FF2B5EF4-FFF2-40B4-BE49-F238E27FC236}">
+                <a16:creationId xmlns:a16="http://schemas.microsoft.com/office/drawing/2014/main" id="{C1B9AD18-DDC8-424B-9046-BE29E8E5AE93}"/>
+              </a:ext>
+            </a:extLst>
+          </p:cNvPr>
+          <p:cNvSpPr/>
+          <p:nvPr/>
+        </p:nvSpPr>
+        <p:spPr>
+          <a:xfrm>
+            <a:off x="1603846" y="2637064"/>
+            <a:ext cx="1405078" cy="1600200"/>
+          </a:xfrm>
+          <a:prstGeom prst="foldedCorner">
+            <a:avLst/>
+          </a:prstGeom>
+          <a:solidFill>
+            <a:srgbClr val="0070C0"/>
+          </a:solidFill>
+        </p:spPr>
+        <p:style>
+          <a:lnRef idx="1">
+            <a:schemeClr val="accent1"/>
+          </a:lnRef>
+          <a:fillRef idx="3">
+            <a:schemeClr val="accent1"/>
+          </a:fillRef>
+          <a:effectRef idx="2">
+            <a:schemeClr val="accent1"/>
+          </a:effectRef>
+          <a:fontRef idx="minor">
+            <a:schemeClr val="lt1"/>
+          </a:fontRef>
+        </p:style>
+        <p:txBody>
+          <a:bodyPr lIns="0" rIns="0" rtlCol="0" anchor="ctr"/>
+          <a:lstStyle/>
+          <a:p>
+            <a:pPr algn="ctr"/>
+            <a:r>
+              <a:rPr lang="en-US" sz="1400" dirty="0"/>
+              <a:t>Template</a:t>
+            </a:r>
+          </a:p>
+        </p:txBody>
+      </p:sp>
+      <p:cxnSp>
+        <p:nvCxnSpPr>
+          <p:cNvPr id="42" name="Elbow Connector 41">
+            <a:extLst>
+              <a:ext uri="{FF2B5EF4-FFF2-40B4-BE49-F238E27FC236}">
+                <a16:creationId xmlns:a16="http://schemas.microsoft.com/office/drawing/2014/main" id="{15482865-A898-444A-8347-F2D6A2060B12}"/>
+              </a:ext>
+            </a:extLst>
+          </p:cNvPr>
+          <p:cNvCxnSpPr>
+            <a:cxnSpLocks/>
+            <a:stCxn id="3" idx="2"/>
+            <a:endCxn id="41" idx="0"/>
+          </p:cNvCxnSpPr>
+          <p:nvPr/>
+        </p:nvCxnSpPr>
+        <p:spPr>
+          <a:xfrm rot="5400000">
+            <a:off x="3009669" y="1233466"/>
+            <a:ext cx="700315" cy="2106881"/>
+          </a:xfrm>
+          <a:prstGeom prst="bentConnector3">
+            <a:avLst/>
+          </a:prstGeom>
+          <a:ln>
+            <a:tailEnd type="none"/>
+          </a:ln>
+        </p:spPr>
+        <p:style>
+          <a:lnRef idx="1">
+            <a:schemeClr val="dk1"/>
+          </a:lnRef>
+          <a:fillRef idx="0">
+            <a:schemeClr val="dk1"/>
+          </a:fillRef>
+          <a:effectRef idx="0">
+            <a:schemeClr val="dk1"/>
+          </a:effectRef>
+          <a:fontRef idx="minor">
+            <a:schemeClr val="tx1"/>
+          </a:fontRef>
+        </p:style>
+      </p:cxnSp>
+      <p:sp>
+        <p:nvSpPr>
+          <p:cNvPr id="34" name="Folded Corner 33">
+            <a:extLst>
+              <a:ext uri="{FF2B5EF4-FFF2-40B4-BE49-F238E27FC236}">
+                <a16:creationId xmlns:a16="http://schemas.microsoft.com/office/drawing/2014/main" id="{E4851292-AE1C-C043-B03B-AC3D9AD92A29}"/>
+              </a:ext>
+            </a:extLst>
+          </p:cNvPr>
+          <p:cNvSpPr/>
+          <p:nvPr/>
+        </p:nvSpPr>
+        <p:spPr>
+          <a:xfrm>
+            <a:off x="3100185" y="2637064"/>
+            <a:ext cx="1405078" cy="1600200"/>
+          </a:xfrm>
+          <a:prstGeom prst="foldedCorner">
+            <a:avLst/>
+          </a:prstGeom>
+          <a:solidFill>
+            <a:schemeClr val="accent2"/>
+          </a:solidFill>
+        </p:spPr>
+        <p:style>
+          <a:lnRef idx="1">
+            <a:schemeClr val="accent1"/>
+          </a:lnRef>
+          <a:fillRef idx="3">
+            <a:schemeClr val="accent1"/>
+          </a:fillRef>
+          <a:effectRef idx="2">
+            <a:schemeClr val="accent1"/>
+          </a:effectRef>
+          <a:fontRef idx="minor">
+            <a:schemeClr val="lt1"/>
+          </a:fontRef>
+        </p:style>
+        <p:txBody>
+          <a:bodyPr lIns="0" rIns="0" rtlCol="0" anchor="ctr"/>
+          <a:lstStyle/>
+          <a:p>
+            <a:pPr algn="ctr"/>
+            <a:r>
+              <a:rPr lang="en-US" sz="1400" dirty="0"/>
+              <a:t>Glossary</a:t>
+            </a:r>
+          </a:p>
+        </p:txBody>
+      </p:sp>
+      <p:cxnSp>
+        <p:nvCxnSpPr>
+          <p:cNvPr id="58" name="Elbow Connector 57">
+            <a:extLst>
+              <a:ext uri="{FF2B5EF4-FFF2-40B4-BE49-F238E27FC236}">
+                <a16:creationId xmlns:a16="http://schemas.microsoft.com/office/drawing/2014/main" id="{B36D6D78-5FB2-B247-B9AD-F204033B66AE}"/>
+              </a:ext>
+            </a:extLst>
+          </p:cNvPr>
+          <p:cNvCxnSpPr>
+            <a:cxnSpLocks/>
+            <a:stCxn id="3" idx="2"/>
+            <a:endCxn id="34" idx="0"/>
+          </p:cNvCxnSpPr>
+          <p:nvPr/>
+        </p:nvCxnSpPr>
+        <p:spPr>
+          <a:xfrm rot="5400000">
+            <a:off x="3757838" y="1981635"/>
+            <a:ext cx="700315" cy="610542"/>
+          </a:xfrm>
+          <a:prstGeom prst="bentConnector3">
+            <a:avLst>
+              <a:gd name="adj1" fmla="val 50000"/>
+            </a:avLst>
+          </a:prstGeom>
+          <a:ln>
+            <a:tailEnd type="none"/>
+          </a:ln>
+        </p:spPr>
+        <p:style>
+          <a:lnRef idx="1">
+            <a:schemeClr val="dk1"/>
+          </a:lnRef>
+          <a:fillRef idx="0">
+            <a:schemeClr val="dk1"/>
+          </a:fillRef>
+          <a:effectRef idx="0">
+            <a:schemeClr val="dk1"/>
+          </a:effectRef>
+          <a:fontRef idx="minor">
+            <a:schemeClr val="tx1"/>
+          </a:fontRef>
+        </p:style>
+      </p:cxnSp>
+      <p:sp>
+        <p:nvSpPr>
+          <p:cNvPr id="61" name="Rounded Rectangle 60">
+            <a:extLst>
+              <a:ext uri="{FF2B5EF4-FFF2-40B4-BE49-F238E27FC236}">
+                <a16:creationId xmlns:a16="http://schemas.microsoft.com/office/drawing/2014/main" id="{305BC4E4-C92D-674A-83B3-2E87218E2D56}"/>
+              </a:ext>
+            </a:extLst>
+          </p:cNvPr>
+          <p:cNvSpPr/>
+          <p:nvPr/>
+        </p:nvSpPr>
+        <p:spPr>
+          <a:xfrm>
+            <a:off x="455501" y="691284"/>
+            <a:ext cx="1219200" cy="996952"/>
+          </a:xfrm>
+          <a:prstGeom prst="roundRect">
+            <a:avLst/>
+          </a:prstGeom>
+          <a:noFill/>
+          <a:ln>
+            <a:solidFill>
+              <a:schemeClr val="dk1">
+                <a:shade val="95000"/>
+                <a:satMod val="105000"/>
+              </a:schemeClr>
+            </a:solidFill>
+          </a:ln>
+        </p:spPr>
+        <p:style>
+          <a:lnRef idx="2">
+            <a:schemeClr val="dk1">
+              <a:shade val="50000"/>
+            </a:schemeClr>
+          </a:lnRef>
+          <a:fillRef idx="1">
+            <a:schemeClr val="dk1"/>
+          </a:fillRef>
+          <a:effectRef idx="0">
+            <a:schemeClr val="dk1"/>
+          </a:effectRef>
+          <a:fontRef idx="minor">
+            <a:schemeClr val="lt1"/>
+          </a:fontRef>
+        </p:style>
+        <p:txBody>
+          <a:bodyPr rtlCol="0" anchor="t" anchorCtr="0"/>
+          <a:lstStyle/>
+          <a:p>
+            <a:pPr algn="ctr"/>
+            <a:r>
+              <a:rPr lang="en-US" dirty="0">
+                <a:solidFill>
+                  <a:schemeClr val="tx1"/>
+                </a:solidFill>
+              </a:rPr>
+              <a:t>SDO</a:t>
+            </a:r>
+          </a:p>
+        </p:txBody>
+      </p:sp>
+      <p:sp>
+        <p:nvSpPr>
+          <p:cNvPr id="62" name="TextBox 61">
+            <a:extLst>
+              <a:ext uri="{FF2B5EF4-FFF2-40B4-BE49-F238E27FC236}">
+                <a16:creationId xmlns:a16="http://schemas.microsoft.com/office/drawing/2014/main" id="{0E56D527-966D-5C4D-8E4B-23C296F2A23E}"/>
+              </a:ext>
+            </a:extLst>
+          </p:cNvPr>
+          <p:cNvSpPr txBox="1"/>
+          <p:nvPr/>
+        </p:nvSpPr>
+        <p:spPr>
+          <a:xfrm>
+            <a:off x="532550" y="1051687"/>
+            <a:ext cx="990600" cy="600164"/>
+          </a:xfrm>
+          <a:prstGeom prst="rect">
+            <a:avLst/>
+          </a:prstGeom>
+          <a:noFill/>
+        </p:spPr>
+        <p:txBody>
+          <a:bodyPr wrap="square" rtlCol="0">
+            <a:spAutoFit/>
+          </a:bodyPr>
+          <a:lstStyle/>
+          <a:p>
+            <a:pPr algn="ctr"/>
+            <a:r>
+              <a:rPr lang="en-US" sz="1100" dirty="0"/>
+              <a:t>(Standards Development Organization)</a:t>
+            </a:r>
+          </a:p>
+        </p:txBody>
+      </p:sp>
+      <p:cxnSp>
+        <p:nvCxnSpPr>
+          <p:cNvPr id="64" name="Straight Arrow Connector 63">
+            <a:extLst>
+              <a:ext uri="{FF2B5EF4-FFF2-40B4-BE49-F238E27FC236}">
+                <a16:creationId xmlns:a16="http://schemas.microsoft.com/office/drawing/2014/main" id="{98002A52-0371-854C-8CFF-40F55966B6F8}"/>
+              </a:ext>
+            </a:extLst>
+          </p:cNvPr>
+          <p:cNvCxnSpPr>
+            <a:cxnSpLocks/>
+          </p:cNvCxnSpPr>
+          <p:nvPr/>
+        </p:nvCxnSpPr>
+        <p:spPr>
+          <a:xfrm flipV="1">
+            <a:off x="762000" y="1688236"/>
+            <a:ext cx="6334" cy="940665"/>
+          </a:xfrm>
+          <a:prstGeom prst="straightConnector1">
+            <a:avLst/>
+          </a:prstGeom>
+          <a:ln>
+            <a:prstDash val="lgDash"/>
+            <a:tailEnd type="triangle"/>
+          </a:ln>
+        </p:spPr>
+        <p:style>
+          <a:lnRef idx="1">
+            <a:schemeClr val="dk1"/>
+          </a:lnRef>
+          <a:fillRef idx="0">
+            <a:schemeClr val="dk1"/>
+          </a:fillRef>
+          <a:effectRef idx="0">
+            <a:schemeClr val="dk1"/>
+          </a:effectRef>
+          <a:fontRef idx="minor">
+            <a:schemeClr val="tx1"/>
+          </a:fontRef>
+        </p:style>
+      </p:cxnSp>
+      <p:sp>
+        <p:nvSpPr>
+          <p:cNvPr id="69" name="TextBox 68">
+            <a:extLst>
+              <a:ext uri="{FF2B5EF4-FFF2-40B4-BE49-F238E27FC236}">
+                <a16:creationId xmlns:a16="http://schemas.microsoft.com/office/drawing/2014/main" id="{724C22F5-CAF7-D241-9C03-CC08CBC56C08}"/>
+              </a:ext>
+            </a:extLst>
+          </p:cNvPr>
+          <p:cNvSpPr txBox="1"/>
+          <p:nvPr/>
+        </p:nvSpPr>
+        <p:spPr>
+          <a:xfrm>
+            <a:off x="768334" y="1705857"/>
+            <a:ext cx="744252" cy="246221"/>
+          </a:xfrm>
+          <a:prstGeom prst="rect">
+            <a:avLst/>
+          </a:prstGeom>
+          <a:noFill/>
+        </p:spPr>
+        <p:txBody>
+          <a:bodyPr wrap="square" rtlCol="0">
+            <a:spAutoFit/>
+          </a:bodyPr>
+          <a:lstStyle/>
+          <a:p>
+            <a:r>
+              <a:rPr lang="en-US" sz="1000" dirty="0">
+                <a:solidFill>
+                  <a:sysClr val="windowText" lastClr="000000"/>
+                </a:solidFill>
+              </a:rPr>
+              <a:t>(Optional)</a:t>
+            </a:r>
+          </a:p>
+        </p:txBody>
+      </p:sp>
+    </p:spTree>
+    <p:extLst>
+      <p:ext uri="{BB962C8B-B14F-4D97-AF65-F5344CB8AC3E}">
         <p14:creationId xmlns:p14="http://schemas.microsoft.com/office/powerpoint/2010/main" val="2149146631"/>
       </p:ext>
     </p:extLst>
@@ -5554,7 +7129,7 @@
 </p:sld>
 </file>
 
-<file path=ppt/slides/slide3.xml><?xml version="1.0" encoding="utf-8"?>
+<file path=ppt/slides/slide6.xml><?xml version="1.0" encoding="utf-8"?>
 <p:sld xmlns:a="http://schemas.openxmlformats.org/drawingml/2006/main" xmlns:r="http://schemas.openxmlformats.org/officeDocument/2006/relationships" xmlns:p="http://schemas.openxmlformats.org/presentationml/2006/main">
   <p:cSld>
     <p:spTree>
@@ -5875,7 +7450,7 @@
 </p:sld>
 </file>
 
-<file path=ppt/slides/slide4.xml><?xml version="1.0" encoding="utf-8"?>
+<file path=ppt/slides/slide7.xml><?xml version="1.0" encoding="utf-8"?>
 <p:sld xmlns:a="http://schemas.openxmlformats.org/drawingml/2006/main" xmlns:r="http://schemas.openxmlformats.org/officeDocument/2006/relationships" xmlns:p="http://schemas.openxmlformats.org/presentationml/2006/main">
   <p:cSld>
     <p:spTree>
@@ -5894,839 +7469,6 @@
       </p:grpSpPr>
       <p:sp>
         <p:nvSpPr>
-          <p:cNvPr id="23" name="Folded Corner 22">
-            <a:extLst>
-              <a:ext uri="{FF2B5EF4-FFF2-40B4-BE49-F238E27FC236}">
-                <a16:creationId xmlns:a16="http://schemas.microsoft.com/office/drawing/2014/main" id="{6BBEA8F1-3A65-0546-A052-26121F17F905}"/>
-              </a:ext>
-            </a:extLst>
-          </p:cNvPr>
-          <p:cNvSpPr/>
-          <p:nvPr/>
-        </p:nvSpPr>
-        <p:spPr>
-          <a:xfrm>
-            <a:off x="990600" y="1890180"/>
-            <a:ext cx="1447800" cy="1814700"/>
-          </a:xfrm>
-          <a:prstGeom prst="foldedCorner">
-            <a:avLst/>
-          </a:prstGeom>
-          <a:solidFill>
-            <a:schemeClr val="accent6"/>
-          </a:solidFill>
-        </p:spPr>
-        <p:style>
-          <a:lnRef idx="1">
-            <a:schemeClr val="accent1"/>
-          </a:lnRef>
-          <a:fillRef idx="3">
-            <a:schemeClr val="accent1"/>
-          </a:fillRef>
-          <a:effectRef idx="2">
-            <a:schemeClr val="accent1"/>
-          </a:effectRef>
-          <a:fontRef idx="minor">
-            <a:schemeClr val="lt1"/>
-          </a:fontRef>
-        </p:style>
-        <p:txBody>
-          <a:bodyPr lIns="0" rIns="0" rtlCol="0" anchor="ctr"/>
-          <a:lstStyle/>
-          <a:p>
-            <a:pPr algn="ctr"/>
-            <a:r>
-              <a:rPr lang="en-US" dirty="0"/>
-              <a:t>TSS</a:t>
-            </a:r>
-            <a:br>
-              <a:rPr lang="en-US" dirty="0"/>
-            </a:br>
-            <a:r>
-              <a:rPr lang="en-US" dirty="0"/>
-              <a:t>(ToIP Standard</a:t>
-            </a:r>
-            <a:br>
-              <a:rPr lang="en-US" dirty="0"/>
-            </a:br>
-            <a:r>
-              <a:rPr lang="en-US" dirty="0"/>
-              <a:t>Specification)</a:t>
-            </a:r>
-          </a:p>
-        </p:txBody>
-      </p:sp>
-      <p:pic>
-        <p:nvPicPr>
-          <p:cNvPr id="2" name="Picture 1">
-            <a:extLst>
-              <a:ext uri="{FF2B5EF4-FFF2-40B4-BE49-F238E27FC236}">
-                <a16:creationId xmlns:a16="http://schemas.microsoft.com/office/drawing/2014/main" id="{58E247C5-5CAB-8446-BA7D-437728A2BDE1}"/>
-              </a:ext>
-            </a:extLst>
-          </p:cNvPr>
-          <p:cNvPicPr>
-            <a:picLocks noChangeAspect="1"/>
-          </p:cNvPicPr>
-          <p:nvPr/>
-        </p:nvPicPr>
-        <p:blipFill>
-          <a:blip r:embed="rId2"/>
-          <a:stretch>
-            <a:fillRect/>
-          </a:stretch>
-        </p:blipFill>
-        <p:spPr>
-          <a:xfrm>
-            <a:off x="5068547" y="414647"/>
-            <a:ext cx="1263650" cy="1156105"/>
-          </a:xfrm>
-          <a:prstGeom prst="rect">
-            <a:avLst/>
-          </a:prstGeom>
-        </p:spPr>
-      </p:pic>
-      <p:pic>
-        <p:nvPicPr>
-          <p:cNvPr id="4" name="Picture 3">
-            <a:extLst>
-              <a:ext uri="{FF2B5EF4-FFF2-40B4-BE49-F238E27FC236}">
-                <a16:creationId xmlns:a16="http://schemas.microsoft.com/office/drawing/2014/main" id="{46F923C6-B575-1949-8909-DD7AC408D5AF}"/>
-              </a:ext>
-            </a:extLst>
-          </p:cNvPr>
-          <p:cNvPicPr>
-            <a:picLocks noChangeAspect="1"/>
-          </p:cNvPicPr>
-          <p:nvPr/>
-        </p:nvPicPr>
-        <p:blipFill>
-          <a:blip r:embed="rId3"/>
-          <a:stretch>
-            <a:fillRect/>
-          </a:stretch>
-        </p:blipFill>
-        <p:spPr>
-          <a:xfrm>
-            <a:off x="5068547" y="1809752"/>
-            <a:ext cx="1661206" cy="876300"/>
-          </a:xfrm>
-          <a:prstGeom prst="rect">
-            <a:avLst/>
-          </a:prstGeom>
-        </p:spPr>
-      </p:pic>
-      <p:pic>
-        <p:nvPicPr>
-          <p:cNvPr id="9" name="Picture 8">
-            <a:extLst>
-              <a:ext uri="{FF2B5EF4-FFF2-40B4-BE49-F238E27FC236}">
-                <a16:creationId xmlns:a16="http://schemas.microsoft.com/office/drawing/2014/main" id="{5E9C18F5-7607-2441-964B-E48900EBF6A5}"/>
-              </a:ext>
-            </a:extLst>
-          </p:cNvPr>
-          <p:cNvPicPr>
-            <a:picLocks noChangeAspect="1"/>
-          </p:cNvPicPr>
-          <p:nvPr/>
-        </p:nvPicPr>
-        <p:blipFill>
-          <a:blip r:embed="rId4"/>
-          <a:stretch>
-            <a:fillRect/>
-          </a:stretch>
-        </p:blipFill>
-        <p:spPr>
-          <a:xfrm>
-            <a:off x="5068547" y="3188775"/>
-            <a:ext cx="1606550" cy="766201"/>
-          </a:xfrm>
-          <a:prstGeom prst="rect">
-            <a:avLst/>
-          </a:prstGeom>
-        </p:spPr>
-      </p:pic>
-      <p:pic>
-        <p:nvPicPr>
-          <p:cNvPr id="12" name="Picture 11">
-            <a:extLst>
-              <a:ext uri="{FF2B5EF4-FFF2-40B4-BE49-F238E27FC236}">
-                <a16:creationId xmlns:a16="http://schemas.microsoft.com/office/drawing/2014/main" id="{744EB36B-EC90-3549-9637-557D830103C1}"/>
-              </a:ext>
-            </a:extLst>
-          </p:cNvPr>
-          <p:cNvPicPr>
-            <a:picLocks noChangeAspect="1"/>
-          </p:cNvPicPr>
-          <p:nvPr/>
-        </p:nvPicPr>
-        <p:blipFill>
-          <a:blip r:embed="rId5"/>
-          <a:stretch>
-            <a:fillRect/>
-          </a:stretch>
-        </p:blipFill>
-        <p:spPr>
-          <a:xfrm>
-            <a:off x="5068547" y="4457700"/>
-            <a:ext cx="2170453" cy="474891"/>
-          </a:xfrm>
-          <a:prstGeom prst="rect">
-            <a:avLst/>
-          </a:prstGeom>
-        </p:spPr>
-      </p:pic>
-      <p:cxnSp>
-        <p:nvCxnSpPr>
-          <p:cNvPr id="16" name="Elbow Connector 15">
-            <a:extLst>
-              <a:ext uri="{FF2B5EF4-FFF2-40B4-BE49-F238E27FC236}">
-                <a16:creationId xmlns:a16="http://schemas.microsoft.com/office/drawing/2014/main" id="{12D3B5E7-B733-8945-9A92-4D15DB1672B5}"/>
-              </a:ext>
-            </a:extLst>
-          </p:cNvPr>
-          <p:cNvCxnSpPr>
-            <a:cxnSpLocks/>
-          </p:cNvCxnSpPr>
-          <p:nvPr/>
-        </p:nvCxnSpPr>
-        <p:spPr>
-          <a:xfrm flipV="1">
-            <a:off x="2438400" y="992700"/>
-            <a:ext cx="2057400" cy="1792890"/>
-          </a:xfrm>
-          <a:prstGeom prst="bentConnector3">
-            <a:avLst/>
-          </a:prstGeom>
-          <a:ln>
-            <a:tailEnd type="arrow" w="lg" len="lg"/>
-          </a:ln>
-        </p:spPr>
-        <p:style>
-          <a:lnRef idx="2">
-            <a:schemeClr val="accent1"/>
-          </a:lnRef>
-          <a:fillRef idx="0">
-            <a:schemeClr val="accent1"/>
-          </a:fillRef>
-          <a:effectRef idx="1">
-            <a:schemeClr val="accent1"/>
-          </a:effectRef>
-          <a:fontRef idx="minor">
-            <a:schemeClr val="tx1"/>
-          </a:fontRef>
-        </p:style>
-      </p:cxnSp>
-      <p:cxnSp>
-        <p:nvCxnSpPr>
-          <p:cNvPr id="30" name="Elbow Connector 29">
-            <a:extLst>
-              <a:ext uri="{FF2B5EF4-FFF2-40B4-BE49-F238E27FC236}">
-                <a16:creationId xmlns:a16="http://schemas.microsoft.com/office/drawing/2014/main" id="{DBC80C2A-7D51-F14E-BC22-808CE7D031F3}"/>
-              </a:ext>
-            </a:extLst>
-          </p:cNvPr>
-          <p:cNvCxnSpPr>
-            <a:cxnSpLocks/>
-          </p:cNvCxnSpPr>
-          <p:nvPr/>
-        </p:nvCxnSpPr>
-        <p:spPr>
-          <a:xfrm>
-            <a:off x="2438400" y="2788350"/>
-            <a:ext cx="2170612" cy="808213"/>
-          </a:xfrm>
-          <a:prstGeom prst="bentConnector3">
-            <a:avLst>
-              <a:gd name="adj1" fmla="val 47192"/>
-            </a:avLst>
-          </a:prstGeom>
-          <a:ln>
-            <a:tailEnd type="arrow" w="lg" len="lg"/>
-          </a:ln>
-        </p:spPr>
-        <p:style>
-          <a:lnRef idx="2">
-            <a:schemeClr val="accent1"/>
-          </a:lnRef>
-          <a:fillRef idx="0">
-            <a:schemeClr val="accent1"/>
-          </a:fillRef>
-          <a:effectRef idx="1">
-            <a:schemeClr val="accent1"/>
-          </a:effectRef>
-          <a:fontRef idx="minor">
-            <a:schemeClr val="tx1"/>
-          </a:fontRef>
-        </p:style>
-      </p:cxnSp>
-      <p:cxnSp>
-        <p:nvCxnSpPr>
-          <p:cNvPr id="33" name="Elbow Connector 32">
-            <a:extLst>
-              <a:ext uri="{FF2B5EF4-FFF2-40B4-BE49-F238E27FC236}">
-                <a16:creationId xmlns:a16="http://schemas.microsoft.com/office/drawing/2014/main" id="{4400C599-923E-B84A-ADAF-392D2F2F040B}"/>
-              </a:ext>
-            </a:extLst>
-          </p:cNvPr>
-          <p:cNvCxnSpPr>
-            <a:cxnSpLocks/>
-          </p:cNvCxnSpPr>
-          <p:nvPr/>
-        </p:nvCxnSpPr>
-        <p:spPr>
-          <a:xfrm flipV="1">
-            <a:off x="2438400" y="2247902"/>
-            <a:ext cx="2170612" cy="540448"/>
-          </a:xfrm>
-          <a:prstGeom prst="bentConnector3">
-            <a:avLst>
-              <a:gd name="adj1" fmla="val 47192"/>
-            </a:avLst>
-          </a:prstGeom>
-          <a:ln>
-            <a:tailEnd type="arrow" w="lg" len="lg"/>
-          </a:ln>
-        </p:spPr>
-        <p:style>
-          <a:lnRef idx="2">
-            <a:schemeClr val="accent1"/>
-          </a:lnRef>
-          <a:fillRef idx="0">
-            <a:schemeClr val="accent1"/>
-          </a:fillRef>
-          <a:effectRef idx="1">
-            <a:schemeClr val="accent1"/>
-          </a:effectRef>
-          <a:fontRef idx="minor">
-            <a:schemeClr val="tx1"/>
-          </a:fontRef>
-        </p:style>
-      </p:cxnSp>
-      <p:cxnSp>
-        <p:nvCxnSpPr>
-          <p:cNvPr id="38" name="Elbow Connector 37">
-            <a:extLst>
-              <a:ext uri="{FF2B5EF4-FFF2-40B4-BE49-F238E27FC236}">
-                <a16:creationId xmlns:a16="http://schemas.microsoft.com/office/drawing/2014/main" id="{84F78D39-78C1-F148-BBB1-F7E3955FCB83}"/>
-              </a:ext>
-            </a:extLst>
-          </p:cNvPr>
-          <p:cNvCxnSpPr>
-            <a:cxnSpLocks/>
-          </p:cNvCxnSpPr>
-          <p:nvPr/>
-        </p:nvCxnSpPr>
-        <p:spPr>
-          <a:xfrm>
-            <a:off x="2438400" y="2785590"/>
-            <a:ext cx="2170612" cy="1908253"/>
-          </a:xfrm>
-          <a:prstGeom prst="bentConnector3">
-            <a:avLst>
-              <a:gd name="adj1" fmla="val 46790"/>
-            </a:avLst>
-          </a:prstGeom>
-          <a:ln>
-            <a:tailEnd type="arrow" w="lg" len="lg"/>
-          </a:ln>
-        </p:spPr>
-        <p:style>
-          <a:lnRef idx="2">
-            <a:schemeClr val="accent1"/>
-          </a:lnRef>
-          <a:fillRef idx="0">
-            <a:schemeClr val="accent1"/>
-          </a:fillRef>
-          <a:effectRef idx="1">
-            <a:schemeClr val="accent1"/>
-          </a:effectRef>
-          <a:fontRef idx="minor">
-            <a:schemeClr val="tx1"/>
-          </a:fontRef>
-        </p:style>
-      </p:cxnSp>
-      <p:sp>
-        <p:nvSpPr>
-          <p:cNvPr id="56" name="TextBox 55">
-            <a:extLst>
-              <a:ext uri="{FF2B5EF4-FFF2-40B4-BE49-F238E27FC236}">
-                <a16:creationId xmlns:a16="http://schemas.microsoft.com/office/drawing/2014/main" id="{9BD0C2E4-2DED-A743-B1DE-4995D5BF083B}"/>
-              </a:ext>
-            </a:extLst>
-          </p:cNvPr>
-          <p:cNvSpPr txBox="1"/>
-          <p:nvPr/>
-        </p:nvSpPr>
-        <p:spPr>
-          <a:xfrm>
-            <a:off x="990600" y="455564"/>
-            <a:ext cx="2388325" cy="1015663"/>
-          </a:xfrm>
-          <a:prstGeom prst="rect">
-            <a:avLst/>
-          </a:prstGeom>
-          <a:noFill/>
-        </p:spPr>
-        <p:txBody>
-          <a:bodyPr wrap="square" rtlCol="0">
-            <a:spAutoFit/>
-          </a:bodyPr>
-          <a:lstStyle/>
-          <a:p>
-            <a:pPr algn="r"/>
-            <a:r>
-              <a:rPr lang="en-US" sz="1200" i="1" dirty="0"/>
-              <a:t>As Linux Foundation JDF project, the ToIP Foundation is an approved ISO/IEC JTC 1 Publicly Available Specification Submitter for open standard specifications</a:t>
-            </a:r>
-          </a:p>
-        </p:txBody>
-      </p:sp>
-    </p:spTree>
-    <p:extLst>
-      <p:ext uri="{BB962C8B-B14F-4D97-AF65-F5344CB8AC3E}">
-        <p14:creationId xmlns:p14="http://schemas.microsoft.com/office/powerpoint/2010/main" val="934147653"/>
-      </p:ext>
-    </p:extLst>
-  </p:cSld>
-  <p:clrMapOvr>
-    <a:masterClrMapping/>
-  </p:clrMapOvr>
-</p:sld>
-</file>
-
-<file path=ppt/slides/slide5.xml><?xml version="1.0" encoding="utf-8"?>
-<p:sld xmlns:a="http://schemas.openxmlformats.org/drawingml/2006/main" xmlns:r="http://schemas.openxmlformats.org/officeDocument/2006/relationships" xmlns:p="http://schemas.openxmlformats.org/presentationml/2006/main">
-  <p:cSld>
-    <p:spTree>
-      <p:nvGrpSpPr>
-        <p:cNvPr id="1" name=""/>
-        <p:cNvGrpSpPr/>
-        <p:nvPr/>
-      </p:nvGrpSpPr>
-      <p:grpSpPr>
-        <a:xfrm>
-          <a:off x="0" y="0"/>
-          <a:ext cx="0" cy="0"/>
-          <a:chOff x="0" y="0"/>
-          <a:chExt cx="0" cy="0"/>
-        </a:xfrm>
-      </p:grpSpPr>
-      <p:sp>
-        <p:nvSpPr>
-          <p:cNvPr id="23" name="Folded Corner 22">
-            <a:extLst>
-              <a:ext uri="{FF2B5EF4-FFF2-40B4-BE49-F238E27FC236}">
-                <a16:creationId xmlns:a16="http://schemas.microsoft.com/office/drawing/2014/main" id="{6BBEA8F1-3A65-0546-A052-26121F17F905}"/>
-              </a:ext>
-            </a:extLst>
-          </p:cNvPr>
-          <p:cNvSpPr/>
-          <p:nvPr/>
-        </p:nvSpPr>
-        <p:spPr>
-          <a:xfrm>
-            <a:off x="3609122" y="361736"/>
-            <a:ext cx="1557614" cy="1987980"/>
-          </a:xfrm>
-          <a:prstGeom prst="foldedCorner">
-            <a:avLst/>
-          </a:prstGeom>
-          <a:solidFill>
-            <a:srgbClr val="7030A0"/>
-          </a:solidFill>
-        </p:spPr>
-        <p:style>
-          <a:lnRef idx="1">
-            <a:schemeClr val="accent1"/>
-          </a:lnRef>
-          <a:fillRef idx="3">
-            <a:schemeClr val="accent1"/>
-          </a:fillRef>
-          <a:effectRef idx="2">
-            <a:schemeClr val="accent1"/>
-          </a:effectRef>
-          <a:fontRef idx="minor">
-            <a:schemeClr val="lt1"/>
-          </a:fontRef>
-        </p:style>
-        <p:txBody>
-          <a:bodyPr lIns="0" rIns="0" rtlCol="0" anchor="ctr"/>
-          <a:lstStyle/>
-          <a:p>
-            <a:pPr algn="ctr"/>
-            <a:r>
-              <a:rPr lang="en-US" sz="1600" dirty="0"/>
-              <a:t>Recommendation</a:t>
-            </a:r>
-          </a:p>
-        </p:txBody>
-      </p:sp>
-      <p:sp>
-        <p:nvSpPr>
-          <p:cNvPr id="27" name="Folded Corner 26">
-            <a:extLst>
-              <a:ext uri="{FF2B5EF4-FFF2-40B4-BE49-F238E27FC236}">
-                <a16:creationId xmlns:a16="http://schemas.microsoft.com/office/drawing/2014/main" id="{9627DC66-23B5-C144-AD33-32C9AEA12D96}"/>
-              </a:ext>
-            </a:extLst>
-          </p:cNvPr>
-          <p:cNvSpPr/>
-          <p:nvPr/>
-        </p:nvSpPr>
-        <p:spPr>
-          <a:xfrm>
-            <a:off x="1503244" y="2943683"/>
-            <a:ext cx="1557614" cy="1987980"/>
-          </a:xfrm>
-          <a:prstGeom prst="foldedCorner">
-            <a:avLst/>
-          </a:prstGeom>
-          <a:solidFill>
-            <a:srgbClr val="7030A0"/>
-          </a:solidFill>
-        </p:spPr>
-        <p:style>
-          <a:lnRef idx="1">
-            <a:schemeClr val="accent1"/>
-          </a:lnRef>
-          <a:fillRef idx="3">
-            <a:schemeClr val="accent1"/>
-          </a:fillRef>
-          <a:effectRef idx="2">
-            <a:schemeClr val="accent1"/>
-          </a:effectRef>
-          <a:fontRef idx="minor">
-            <a:schemeClr val="lt1"/>
-          </a:fontRef>
-        </p:style>
-        <p:txBody>
-          <a:bodyPr lIns="0" rIns="0" rtlCol="0" anchor="ctr"/>
-          <a:lstStyle/>
-          <a:p>
-            <a:pPr algn="ctr"/>
-            <a:r>
-              <a:rPr lang="en-US" sz="1600" dirty="0">
-                <a:solidFill>
-                  <a:schemeClr val="bg1"/>
-                </a:solidFill>
-              </a:rPr>
-              <a:t>ToIP </a:t>
-            </a:r>
-            <a:br>
-              <a:rPr lang="en-US" sz="1600" dirty="0">
-                <a:solidFill>
-                  <a:schemeClr val="bg1"/>
-                </a:solidFill>
-              </a:rPr>
-            </a:br>
-            <a:r>
-              <a:rPr lang="en-US" sz="1600" dirty="0">
-                <a:solidFill>
-                  <a:schemeClr val="bg1"/>
-                </a:solidFill>
-              </a:rPr>
-              <a:t>Interoperability Profile</a:t>
-            </a:r>
-          </a:p>
-          <a:p>
-            <a:pPr algn="ctr"/>
-            <a:r>
-              <a:rPr lang="en-US" sz="1600" dirty="0">
-                <a:solidFill>
-                  <a:schemeClr val="bg1"/>
-                </a:solidFill>
-              </a:rPr>
-              <a:t>(TIP)</a:t>
-            </a:r>
-          </a:p>
-        </p:txBody>
-      </p:sp>
-      <p:sp>
-        <p:nvSpPr>
-          <p:cNvPr id="29" name="Folded Corner 28">
-            <a:extLst>
-              <a:ext uri="{FF2B5EF4-FFF2-40B4-BE49-F238E27FC236}">
-                <a16:creationId xmlns:a16="http://schemas.microsoft.com/office/drawing/2014/main" id="{C5F9E1C8-9CD0-F24B-856A-951DC62455D2}"/>
-              </a:ext>
-            </a:extLst>
-          </p:cNvPr>
-          <p:cNvSpPr/>
-          <p:nvPr/>
-        </p:nvSpPr>
-        <p:spPr>
-          <a:xfrm>
-            <a:off x="3609122" y="2947153"/>
-            <a:ext cx="1557614" cy="1987980"/>
-          </a:xfrm>
-          <a:prstGeom prst="foldedCorner">
-            <a:avLst/>
-          </a:prstGeom>
-          <a:solidFill>
-            <a:srgbClr val="7030A0"/>
-          </a:solidFill>
-        </p:spPr>
-        <p:style>
-          <a:lnRef idx="1">
-            <a:schemeClr val="accent1"/>
-          </a:lnRef>
-          <a:fillRef idx="3">
-            <a:schemeClr val="accent1"/>
-          </a:fillRef>
-          <a:effectRef idx="2">
-            <a:schemeClr val="accent1"/>
-          </a:effectRef>
-          <a:fontRef idx="minor">
-            <a:schemeClr val="lt1"/>
-          </a:fontRef>
-        </p:style>
-        <p:txBody>
-          <a:bodyPr lIns="0" rIns="0" rtlCol="0" anchor="ctr"/>
-          <a:lstStyle/>
-          <a:p>
-            <a:pPr algn="ctr"/>
-            <a:r>
-              <a:rPr lang="en-US" sz="1600" dirty="0">
-                <a:solidFill>
-                  <a:schemeClr val="bg1"/>
-                </a:solidFill>
-              </a:rPr>
-              <a:t>Design</a:t>
-            </a:r>
-            <a:br>
-              <a:rPr lang="en-US" sz="1600" dirty="0">
-                <a:solidFill>
-                  <a:schemeClr val="bg1"/>
-                </a:solidFill>
-              </a:rPr>
-            </a:br>
-            <a:r>
-              <a:rPr lang="en-US" sz="1600" dirty="0">
-                <a:solidFill>
-                  <a:schemeClr val="bg1"/>
-                </a:solidFill>
-              </a:rPr>
-              <a:t>Principles</a:t>
-            </a:r>
-          </a:p>
-        </p:txBody>
-      </p:sp>
-      <p:cxnSp>
-        <p:nvCxnSpPr>
-          <p:cNvPr id="32" name="Elbow Connector 31">
-            <a:extLst>
-              <a:ext uri="{FF2B5EF4-FFF2-40B4-BE49-F238E27FC236}">
-                <a16:creationId xmlns:a16="http://schemas.microsoft.com/office/drawing/2014/main" id="{9E852E28-0517-BF49-850D-39C76DCA7A18}"/>
-              </a:ext>
-            </a:extLst>
-          </p:cNvPr>
-          <p:cNvCxnSpPr>
-            <a:cxnSpLocks/>
-            <a:stCxn id="23" idx="2"/>
-            <a:endCxn id="27" idx="0"/>
-          </p:cNvCxnSpPr>
-          <p:nvPr/>
-        </p:nvCxnSpPr>
-        <p:spPr>
-          <a:xfrm rot="5400000">
-            <a:off x="3038007" y="1593760"/>
-            <a:ext cx="593967" cy="2105878"/>
-          </a:xfrm>
-          <a:prstGeom prst="bentConnector3">
-            <a:avLst>
-              <a:gd name="adj1" fmla="val 50000"/>
-            </a:avLst>
-          </a:prstGeom>
-          <a:ln>
-            <a:tailEnd type="none"/>
-          </a:ln>
-        </p:spPr>
-        <p:style>
-          <a:lnRef idx="1">
-            <a:schemeClr val="dk1"/>
-          </a:lnRef>
-          <a:fillRef idx="0">
-            <a:schemeClr val="dk1"/>
-          </a:fillRef>
-          <a:effectRef idx="0">
-            <a:schemeClr val="dk1"/>
-          </a:effectRef>
-          <a:fontRef idx="minor">
-            <a:schemeClr val="tx1"/>
-          </a:fontRef>
-        </p:style>
-      </p:cxnSp>
-      <p:sp>
-        <p:nvSpPr>
-          <p:cNvPr id="30" name="Folded Corner 29">
-            <a:extLst>
-              <a:ext uri="{FF2B5EF4-FFF2-40B4-BE49-F238E27FC236}">
-                <a16:creationId xmlns:a16="http://schemas.microsoft.com/office/drawing/2014/main" id="{827738AE-B888-7344-92FB-8F8AA81DB9BB}"/>
-              </a:ext>
-            </a:extLst>
-          </p:cNvPr>
-          <p:cNvSpPr/>
-          <p:nvPr/>
-        </p:nvSpPr>
-        <p:spPr>
-          <a:xfrm>
-            <a:off x="5715000" y="2953503"/>
-            <a:ext cx="1557614" cy="1987980"/>
-          </a:xfrm>
-          <a:prstGeom prst="foldedCorner">
-            <a:avLst/>
-          </a:prstGeom>
-          <a:solidFill>
-            <a:srgbClr val="7030A0"/>
-          </a:solidFill>
-        </p:spPr>
-        <p:style>
-          <a:lnRef idx="1">
-            <a:schemeClr val="accent1"/>
-          </a:lnRef>
-          <a:fillRef idx="3">
-            <a:schemeClr val="accent1"/>
-          </a:fillRef>
-          <a:effectRef idx="2">
-            <a:schemeClr val="accent1"/>
-          </a:effectRef>
-          <a:fontRef idx="minor">
-            <a:schemeClr val="lt1"/>
-          </a:fontRef>
-        </p:style>
-        <p:txBody>
-          <a:bodyPr lIns="0" rIns="0" rtlCol="0" anchor="ctr"/>
-          <a:lstStyle/>
-          <a:p>
-            <a:pPr algn="ctr"/>
-            <a:r>
-              <a:rPr lang="en-US" sz="1600" dirty="0">
-                <a:solidFill>
-                  <a:schemeClr val="bg1"/>
-                </a:solidFill>
-              </a:rPr>
-              <a:t>Best Practices</a:t>
-            </a:r>
-          </a:p>
-        </p:txBody>
-      </p:sp>
-      <p:cxnSp>
-        <p:nvCxnSpPr>
-          <p:cNvPr id="31" name="Elbow Connector 30">
-            <a:extLst>
-              <a:ext uri="{FF2B5EF4-FFF2-40B4-BE49-F238E27FC236}">
-                <a16:creationId xmlns:a16="http://schemas.microsoft.com/office/drawing/2014/main" id="{BD6BF34C-65EB-FE4D-A6FC-1C54F37CDA17}"/>
-              </a:ext>
-            </a:extLst>
-          </p:cNvPr>
-          <p:cNvCxnSpPr>
-            <a:cxnSpLocks/>
-            <a:stCxn id="23" idx="2"/>
-            <a:endCxn id="30" idx="0"/>
-          </p:cNvCxnSpPr>
-          <p:nvPr/>
-        </p:nvCxnSpPr>
-        <p:spPr>
-          <a:xfrm rot="16200000" flipH="1">
-            <a:off x="5138975" y="1598670"/>
-            <a:ext cx="603787" cy="2105878"/>
-          </a:xfrm>
-          <a:prstGeom prst="bentConnector3">
-            <a:avLst>
-              <a:gd name="adj1" fmla="val 50000"/>
-            </a:avLst>
-          </a:prstGeom>
-          <a:ln>
-            <a:tailEnd type="none"/>
-          </a:ln>
-        </p:spPr>
-        <p:style>
-          <a:lnRef idx="1">
-            <a:schemeClr val="dk1"/>
-          </a:lnRef>
-          <a:fillRef idx="0">
-            <a:schemeClr val="dk1"/>
-          </a:fillRef>
-          <a:effectRef idx="0">
-            <a:schemeClr val="dk1"/>
-          </a:effectRef>
-          <a:fontRef idx="minor">
-            <a:schemeClr val="tx1"/>
-          </a:fontRef>
-        </p:style>
-      </p:cxnSp>
-      <p:cxnSp>
-        <p:nvCxnSpPr>
-          <p:cNvPr id="25" name="Straight Connector 24">
-            <a:extLst>
-              <a:ext uri="{FF2B5EF4-FFF2-40B4-BE49-F238E27FC236}">
-                <a16:creationId xmlns:a16="http://schemas.microsoft.com/office/drawing/2014/main" id="{E5EF27D1-8DA6-8047-9C33-5A21D83E0ACF}"/>
-              </a:ext>
-            </a:extLst>
-          </p:cNvPr>
-          <p:cNvCxnSpPr>
-            <a:cxnSpLocks/>
-            <a:stCxn id="23" idx="2"/>
-            <a:endCxn id="29" idx="0"/>
-          </p:cNvCxnSpPr>
-          <p:nvPr/>
-        </p:nvCxnSpPr>
-        <p:spPr>
-          <a:xfrm>
-            <a:off x="4387929" y="2349716"/>
-            <a:ext cx="0" cy="597437"/>
-          </a:xfrm>
-          <a:prstGeom prst="line">
-            <a:avLst/>
-          </a:prstGeom>
-        </p:spPr>
-        <p:style>
-          <a:lnRef idx="1">
-            <a:schemeClr val="dk1"/>
-          </a:lnRef>
-          <a:fillRef idx="0">
-            <a:schemeClr val="dk1"/>
-          </a:fillRef>
-          <a:effectRef idx="0">
-            <a:schemeClr val="dk1"/>
-          </a:effectRef>
-          <a:fontRef idx="minor">
-            <a:schemeClr val="tx1"/>
-          </a:fontRef>
-        </p:style>
-      </p:cxnSp>
-    </p:spTree>
-    <p:extLst>
-      <p:ext uri="{BB962C8B-B14F-4D97-AF65-F5344CB8AC3E}">
-        <p14:creationId xmlns:p14="http://schemas.microsoft.com/office/powerpoint/2010/main" val="1692495679"/>
-      </p:ext>
-    </p:extLst>
-  </p:cSld>
-  <p:clrMapOvr>
-    <a:masterClrMapping/>
-  </p:clrMapOvr>
-</p:sld>
-</file>
-
-<file path=ppt/slides/slide6.xml><?xml version="1.0" encoding="utf-8"?>
-<p:sld xmlns:a="http://schemas.openxmlformats.org/drawingml/2006/main" xmlns:r="http://schemas.openxmlformats.org/officeDocument/2006/relationships" xmlns:p="http://schemas.openxmlformats.org/presentationml/2006/main">
-  <p:cSld>
-    <p:spTree>
-      <p:nvGrpSpPr>
-        <p:cNvPr id="1" name=""/>
-        <p:cNvGrpSpPr/>
-        <p:nvPr/>
-      </p:nvGrpSpPr>
-      <p:grpSpPr>
-        <a:xfrm>
-          <a:off x="0" y="0"/>
-          <a:ext cx="0" cy="0"/>
-          <a:chOff x="0" y="0"/>
-          <a:chExt cx="0" cy="0"/>
-        </a:xfrm>
-      </p:grpSpPr>
-      <p:sp>
-        <p:nvSpPr>
           <p:cNvPr id="2" name="Cube 1">
             <a:extLst>
               <a:ext uri="{FF2B5EF4-FFF2-40B4-BE49-F238E27FC236}">
@@ -8702,7 +9444,7 @@
 </p:sld>
 </file>
 
-<file path=ppt/slides/slide7.xml><?xml version="1.0" encoding="utf-8"?>
+<file path=ppt/slides/slide8.xml><?xml version="1.0" encoding="utf-8"?>
 <p:sld xmlns:a="http://schemas.openxmlformats.org/drawingml/2006/main" xmlns:r="http://schemas.openxmlformats.org/officeDocument/2006/relationships" xmlns:p="http://schemas.openxmlformats.org/presentationml/2006/main">
   <p:cSld>
     <p:spTree>
